--- a/Partie personnelle Valentin CHEVALLIER/Diaporama Revue de projet 1.pptx
+++ b/Partie personnelle Valentin CHEVALLIER/Diaporama Revue de projet 1.pptx
@@ -2,10 +2,11 @@
 <file path=ppt/presentation.xml><?xml version="1.0" encoding="utf-8"?>
 <p:presentation xmlns:a="http://schemas.openxmlformats.org/drawingml/2006/main" xmlns:r="http://schemas.openxmlformats.org/officeDocument/2006/relationships" xmlns:p="http://schemas.openxmlformats.org/presentationml/2006/main" saveSubsetFonts="1">
   <p:sldMasterIdLst>
-    <p:sldMasterId id="2147483746" r:id="rId1"/>
+    <p:sldMasterId id="2147483781" r:id="rId1"/>
   </p:sldMasterIdLst>
   <p:sldIdLst>
     <p:sldId id="256" r:id="rId2"/>
+    <p:sldId id="257" r:id="rId3"/>
   </p:sldIdLst>
   <p:sldSz cx="12192000" cy="6858000"/>
   <p:notesSz cx="6858000" cy="9144000"/>
@@ -104,6 +105,11 @@
       </a:defRPr>
     </a:lvl9pPr>
   </p:defaultTextStyle>
+  <p:extLst>
+    <p:ext uri="{EFAFB233-063F-42B5-8137-9DF3F51BA10A}">
+      <p15:sldGuideLst xmlns:p15="http://schemas.microsoft.com/office/powerpoint/2012/main"/>
+    </p:ext>
+  </p:extLst>
 </p:presentation>
 </file>
 
@@ -126,66 +132,141 @@
       </p:grpSpPr>
       <p:grpSp>
         <p:nvGrpSpPr>
-          <p:cNvPr id="7" name="Group 6"/>
+          <p:cNvPr id="8" name="Group 7"/>
           <p:cNvGrpSpPr/>
           <p:nvPr/>
         </p:nvGrpSpPr>
         <p:grpSpPr>
           <a:xfrm>
-            <a:off x="-16934" y="0"/>
-            <a:ext cx="12231160" cy="6856214"/>
-            <a:chOff x="-16934" y="0"/>
-            <a:chExt cx="12231160" cy="6856214"/>
+            <a:off x="0" y="-8467"/>
+            <a:ext cx="12192000" cy="6866467"/>
+            <a:chOff x="0" y="-8467"/>
+            <a:chExt cx="12192000" cy="6866467"/>
           </a:xfrm>
         </p:grpSpPr>
-        <p:pic>
-          <p:nvPicPr>
-            <p:cNvPr id="16" name="Picture 15" descr="HD-PanelTitleR1.png"/>
-            <p:cNvPicPr>
-              <a:picLocks noChangeAspect="1"/>
-            </p:cNvPicPr>
+        <p:cxnSp>
+          <p:nvCxnSpPr>
+            <p:cNvPr id="32" name="Straight Connector 31"/>
+            <p:cNvCxnSpPr/>
             <p:nvPr/>
-          </p:nvPicPr>
-          <p:blipFill>
-            <a:blip r:embed="rId2">
-              <a:extLst>
-                <a:ext uri="{28A0092B-C50C-407E-A947-70E740481C1C}">
-                  <a14:useLocalDpi xmlns:a14="http://schemas.microsoft.com/office/drawing/2010/main" val="0"/>
-                </a:ext>
-              </a:extLst>
-            </a:blip>
-            <a:stretch>
-              <a:fillRect/>
-            </a:stretch>
-          </p:blipFill>
+          </p:nvCxnSpPr>
           <p:spPr>
             <a:xfrm>
-              <a:off x="0" y="0"/>
-              <a:ext cx="12188825" cy="6856214"/>
+              <a:off x="9371012" y="0"/>
+              <a:ext cx="1219200" cy="6858000"/>
             </a:xfrm>
-            <a:prstGeom prst="rect">
+            <a:prstGeom prst="line">
               <a:avLst/>
             </a:prstGeom>
+            <a:ln w="9525">
+              <a:solidFill>
+                <a:schemeClr val="bg1">
+                  <a:lumMod val="85000"/>
+                  <a:lumOff val="15000"/>
+                </a:schemeClr>
+              </a:solidFill>
+            </a:ln>
           </p:spPr>
-        </p:pic>
+          <p:style>
+            <a:lnRef idx="2">
+              <a:schemeClr val="accent1"/>
+            </a:lnRef>
+            <a:fillRef idx="0">
+              <a:schemeClr val="accent1"/>
+            </a:fillRef>
+            <a:effectRef idx="1">
+              <a:schemeClr val="accent1"/>
+            </a:effectRef>
+            <a:fontRef idx="minor">
+              <a:schemeClr val="tx1"/>
+            </a:fontRef>
+          </p:style>
+        </p:cxnSp>
+        <p:cxnSp>
+          <p:nvCxnSpPr>
+            <p:cNvPr id="21" name="Straight Connector 20"/>
+            <p:cNvCxnSpPr/>
+            <p:nvPr/>
+          </p:nvCxnSpPr>
+          <p:spPr>
+            <a:xfrm flipH="1">
+              <a:off x="7425267" y="3681413"/>
+              <a:ext cx="4763558" cy="3176587"/>
+            </a:xfrm>
+            <a:prstGeom prst="line">
+              <a:avLst/>
+            </a:prstGeom>
+            <a:ln w="9525">
+              <a:solidFill>
+                <a:schemeClr val="bg1">
+                  <a:lumMod val="85000"/>
+                  <a:lumOff val="15000"/>
+                </a:schemeClr>
+              </a:solidFill>
+            </a:ln>
+          </p:spPr>
+          <p:style>
+            <a:lnRef idx="2">
+              <a:schemeClr val="accent1"/>
+            </a:lnRef>
+            <a:fillRef idx="0">
+              <a:schemeClr val="accent1"/>
+            </a:fillRef>
+            <a:effectRef idx="1">
+              <a:schemeClr val="accent1"/>
+            </a:effectRef>
+            <a:fontRef idx="minor">
+              <a:schemeClr val="tx1"/>
+            </a:fontRef>
+          </p:style>
+        </p:cxnSp>
         <p:sp>
           <p:nvSpPr>
-            <p:cNvPr id="26" name="Rectangle 25"/>
+            <p:cNvPr id="24" name="Rectangle 23"/>
             <p:cNvSpPr/>
             <p:nvPr/>
           </p:nvSpPr>
           <p:spPr>
             <a:xfrm>
-              <a:off x="2328332" y="1540931"/>
-              <a:ext cx="7543802" cy="3835401"/>
+              <a:off x="9181476" y="-8467"/>
+              <a:ext cx="3007349" cy="6866467"/>
             </a:xfrm>
-            <a:prstGeom prst="rect">
+            <a:custGeom>
               <a:avLst/>
-            </a:prstGeom>
-            <a:noFill/>
-            <a:ln w="15875">
-              <a:miter lim="800000"/>
+              <a:gdLst/>
+              <a:ahLst/>
+              <a:cxnLst/>
+              <a:rect l="l" t="t" r="r" b="b"/>
+              <a:pathLst>
+                <a:path w="3007349" h="6866467">
+                  <a:moveTo>
+                    <a:pt x="2045532" y="0"/>
+                  </a:moveTo>
+                  <a:lnTo>
+                    <a:pt x="3007349" y="0"/>
+                  </a:lnTo>
+                  <a:lnTo>
+                    <a:pt x="3007349" y="6866467"/>
+                  </a:lnTo>
+                  <a:lnTo>
+                    <a:pt x="0" y="6866467"/>
+                  </a:lnTo>
+                  <a:lnTo>
+                    <a:pt x="2045532" y="0"/>
+                  </a:lnTo>
+                  <a:close/>
+                </a:path>
+              </a:pathLst>
+            </a:custGeom>
+            <a:solidFill>
+              <a:schemeClr val="accent1">
+                <a:alpha val="30000"/>
+              </a:schemeClr>
+            </a:solidFill>
+            <a:ln>
+              <a:noFill/>
             </a:ln>
+            <a:effectLst/>
           </p:spPr>
           <p:style>
             <a:lnRef idx="1">
@@ -202,64 +283,384 @@
             </a:fontRef>
           </p:style>
         </p:sp>
-        <p:pic>
-          <p:nvPicPr>
-            <p:cNvPr id="17" name="Picture 16" descr="HDRibbonTitle-UniformTrim.png"/>
-            <p:cNvPicPr>
-              <a:picLocks noChangeAspect="1"/>
-            </p:cNvPicPr>
+        <p:sp>
+          <p:nvSpPr>
+            <p:cNvPr id="26" name="Rectangle 25"/>
+            <p:cNvSpPr/>
             <p:nvPr/>
-          </p:nvPicPr>
-          <p:blipFill rotWithShape="1">
-            <a:blip r:embed="rId3">
-              <a:extLst>
-                <a:ext uri="{28A0092B-C50C-407E-A947-70E740481C1C}">
-                  <a14:useLocalDpi xmlns:a14="http://schemas.microsoft.com/office/drawing/2010/main" val="0"/>
-                </a:ext>
-              </a:extLst>
-            </a:blip>
-            <a:srcRect/>
-            <a:stretch/>
-          </p:blipFill>
+          </p:nvSpPr>
           <p:spPr>
             <a:xfrm>
-              <a:off x="-16934" y="3147609"/>
-              <a:ext cx="2478024" cy="612648"/>
+              <a:off x="9603442" y="-8467"/>
+              <a:ext cx="2588558" cy="6866467"/>
             </a:xfrm>
-            <a:prstGeom prst="rect">
+            <a:custGeom>
               <a:avLst/>
-            </a:prstGeom>
+              <a:gdLst/>
+              <a:ahLst/>
+              <a:cxnLst/>
+              <a:rect l="l" t="t" r="r" b="b"/>
+              <a:pathLst>
+                <a:path w="2573311" h="6866467">
+                  <a:moveTo>
+                    <a:pt x="0" y="0"/>
+                  </a:moveTo>
+                  <a:lnTo>
+                    <a:pt x="2573311" y="0"/>
+                  </a:lnTo>
+                  <a:lnTo>
+                    <a:pt x="2573311" y="6866467"/>
+                  </a:lnTo>
+                  <a:lnTo>
+                    <a:pt x="1202336" y="6866467"/>
+                  </a:lnTo>
+                  <a:lnTo>
+                    <a:pt x="0" y="0"/>
+                  </a:lnTo>
+                  <a:close/>
+                </a:path>
+              </a:pathLst>
+            </a:custGeom>
+            <a:solidFill>
+              <a:schemeClr val="accent1">
+                <a:alpha val="20000"/>
+              </a:schemeClr>
+            </a:solidFill>
+            <a:ln>
+              <a:noFill/>
+            </a:ln>
+            <a:effectLst/>
           </p:spPr>
-        </p:pic>
-        <p:pic>
-          <p:nvPicPr>
-            <p:cNvPr id="20" name="Picture 19" descr="HDRibbonTitle-UniformTrim.png"/>
-            <p:cNvPicPr>
-              <a:picLocks noChangeAspect="1"/>
-            </p:cNvPicPr>
+          <p:style>
+            <a:lnRef idx="1">
+              <a:schemeClr val="accent1"/>
+            </a:lnRef>
+            <a:fillRef idx="3">
+              <a:schemeClr val="accent1"/>
+            </a:fillRef>
+            <a:effectRef idx="2">
+              <a:schemeClr val="accent1"/>
+            </a:effectRef>
+            <a:fontRef idx="minor">
+              <a:schemeClr val="lt1"/>
+            </a:fontRef>
+          </p:style>
+        </p:sp>
+        <p:sp>
+          <p:nvSpPr>
+            <p:cNvPr id="27" name="Isosceles Triangle 26"/>
+            <p:cNvSpPr/>
             <p:nvPr/>
-          </p:nvPicPr>
-          <p:blipFill rotWithShape="1">
-            <a:blip r:embed="rId3">
-              <a:extLst>
-                <a:ext uri="{28A0092B-C50C-407E-A947-70E740481C1C}">
-                  <a14:useLocalDpi xmlns:a14="http://schemas.microsoft.com/office/drawing/2010/main" val="0"/>
-                </a:ext>
-              </a:extLst>
-            </a:blip>
-            <a:srcRect/>
-            <a:stretch/>
-          </p:blipFill>
+          </p:nvSpPr>
           <p:spPr>
             <a:xfrm>
-              <a:off x="9736202" y="3147609"/>
-              <a:ext cx="2478024" cy="612648"/>
+              <a:off x="8932333" y="3048000"/>
+              <a:ext cx="3259667" cy="3810000"/>
             </a:xfrm>
-            <a:prstGeom prst="rect">
+            <a:prstGeom prst="triangle">
+              <a:avLst>
+                <a:gd name="adj" fmla="val 100000"/>
+              </a:avLst>
+            </a:prstGeom>
+            <a:solidFill>
+              <a:schemeClr val="accent2">
+                <a:alpha val="72000"/>
+              </a:schemeClr>
+            </a:solidFill>
+            <a:ln>
+              <a:noFill/>
+            </a:ln>
+            <a:effectLst/>
+          </p:spPr>
+          <p:style>
+            <a:lnRef idx="1">
+              <a:schemeClr val="accent1"/>
+            </a:lnRef>
+            <a:fillRef idx="3">
+              <a:schemeClr val="accent1"/>
+            </a:fillRef>
+            <a:effectRef idx="2">
+              <a:schemeClr val="accent1"/>
+            </a:effectRef>
+            <a:fontRef idx="minor">
+              <a:schemeClr val="lt1"/>
+            </a:fontRef>
+          </p:style>
+        </p:sp>
+        <p:sp>
+          <p:nvSpPr>
+            <p:cNvPr id="28" name="Rectangle 27"/>
+            <p:cNvSpPr/>
+            <p:nvPr/>
+          </p:nvSpPr>
+          <p:spPr>
+            <a:xfrm>
+              <a:off x="9334500" y="-8467"/>
+              <a:ext cx="2854326" cy="6866467"/>
+            </a:xfrm>
+            <a:custGeom>
               <a:avLst/>
+              <a:gdLst/>
+              <a:ahLst/>
+              <a:cxnLst/>
+              <a:rect l="l" t="t" r="r" b="b"/>
+              <a:pathLst>
+                <a:path w="2858013" h="6866467">
+                  <a:moveTo>
+                    <a:pt x="0" y="0"/>
+                  </a:moveTo>
+                  <a:lnTo>
+                    <a:pt x="2858013" y="0"/>
+                  </a:lnTo>
+                  <a:lnTo>
+                    <a:pt x="2858013" y="6866467"/>
+                  </a:lnTo>
+                  <a:lnTo>
+                    <a:pt x="2473942" y="6866467"/>
+                  </a:lnTo>
+                  <a:lnTo>
+                    <a:pt x="0" y="0"/>
+                  </a:lnTo>
+                  <a:close/>
+                </a:path>
+              </a:pathLst>
+            </a:custGeom>
+            <a:solidFill>
+              <a:schemeClr val="accent2">
+                <a:lumMod val="75000"/>
+                <a:alpha val="70000"/>
+              </a:schemeClr>
+            </a:solidFill>
+            <a:ln>
+              <a:noFill/>
+            </a:ln>
+            <a:effectLst/>
+          </p:spPr>
+          <p:style>
+            <a:lnRef idx="1">
+              <a:schemeClr val="accent1"/>
+            </a:lnRef>
+            <a:fillRef idx="3">
+              <a:schemeClr val="accent1"/>
+            </a:fillRef>
+            <a:effectRef idx="2">
+              <a:schemeClr val="accent1"/>
+            </a:effectRef>
+            <a:fontRef idx="minor">
+              <a:schemeClr val="lt1"/>
+            </a:fontRef>
+          </p:style>
+        </p:sp>
+        <p:sp>
+          <p:nvSpPr>
+            <p:cNvPr id="29" name="Rectangle 28"/>
+            <p:cNvSpPr/>
+            <p:nvPr/>
+          </p:nvSpPr>
+          <p:spPr>
+            <a:xfrm>
+              <a:off x="10898730" y="-8467"/>
+              <a:ext cx="1290094" cy="6866467"/>
+            </a:xfrm>
+            <a:custGeom>
+              <a:avLst/>
+              <a:gdLst/>
+              <a:ahLst/>
+              <a:cxnLst/>
+              <a:rect l="l" t="t" r="r" b="b"/>
+              <a:pathLst>
+                <a:path w="1290094" h="6858000">
+                  <a:moveTo>
+                    <a:pt x="1019735" y="0"/>
+                  </a:moveTo>
+                  <a:lnTo>
+                    <a:pt x="1290094" y="0"/>
+                  </a:lnTo>
+                  <a:lnTo>
+                    <a:pt x="1290094" y="6858000"/>
+                  </a:lnTo>
+                  <a:lnTo>
+                    <a:pt x="0" y="6858000"/>
+                  </a:lnTo>
+                  <a:lnTo>
+                    <a:pt x="1019735" y="0"/>
+                  </a:lnTo>
+                  <a:close/>
+                </a:path>
+              </a:pathLst>
+            </a:custGeom>
+            <a:solidFill>
+              <a:schemeClr val="accent1">
+                <a:lumMod val="60000"/>
+                <a:lumOff val="40000"/>
+                <a:alpha val="70000"/>
+              </a:schemeClr>
+            </a:solidFill>
+            <a:ln>
+              <a:noFill/>
+            </a:ln>
+            <a:effectLst/>
+          </p:spPr>
+          <p:style>
+            <a:lnRef idx="1">
+              <a:schemeClr val="accent1"/>
+            </a:lnRef>
+            <a:fillRef idx="3">
+              <a:schemeClr val="accent1"/>
+            </a:fillRef>
+            <a:effectRef idx="2">
+              <a:schemeClr val="accent1"/>
+            </a:effectRef>
+            <a:fontRef idx="minor">
+              <a:schemeClr val="lt1"/>
+            </a:fontRef>
+          </p:style>
+        </p:sp>
+        <p:sp>
+          <p:nvSpPr>
+            <p:cNvPr id="30" name="Rectangle 29"/>
+            <p:cNvSpPr/>
+            <p:nvPr/>
+          </p:nvSpPr>
+          <p:spPr>
+            <a:xfrm>
+              <a:off x="10938999" y="-8467"/>
+              <a:ext cx="1249825" cy="6866467"/>
+            </a:xfrm>
+            <a:custGeom>
+              <a:avLst/>
+              <a:gdLst/>
+              <a:ahLst/>
+              <a:cxnLst/>
+              <a:rect l="l" t="t" r="r" b="b"/>
+              <a:pathLst>
+                <a:path w="1249825" h="6858000">
+                  <a:moveTo>
+                    <a:pt x="0" y="0"/>
+                  </a:moveTo>
+                  <a:lnTo>
+                    <a:pt x="1249825" y="0"/>
+                  </a:lnTo>
+                  <a:lnTo>
+                    <a:pt x="1249825" y="6858000"/>
+                  </a:lnTo>
+                  <a:lnTo>
+                    <a:pt x="1109382" y="6858000"/>
+                  </a:lnTo>
+                  <a:lnTo>
+                    <a:pt x="0" y="0"/>
+                  </a:lnTo>
+                  <a:close/>
+                </a:path>
+              </a:pathLst>
+            </a:custGeom>
+            <a:solidFill>
+              <a:schemeClr val="accent1">
+                <a:alpha val="65000"/>
+              </a:schemeClr>
+            </a:solidFill>
+            <a:ln>
+              <a:noFill/>
+            </a:ln>
+            <a:effectLst/>
+          </p:spPr>
+          <p:style>
+            <a:lnRef idx="1">
+              <a:schemeClr val="accent1"/>
+            </a:lnRef>
+            <a:fillRef idx="3">
+              <a:schemeClr val="accent1"/>
+            </a:fillRef>
+            <a:effectRef idx="2">
+              <a:schemeClr val="accent1"/>
+            </a:effectRef>
+            <a:fontRef idx="minor">
+              <a:schemeClr val="lt1"/>
+            </a:fontRef>
+          </p:style>
+        </p:sp>
+        <p:sp>
+          <p:nvSpPr>
+            <p:cNvPr id="31" name="Isosceles Triangle 30"/>
+            <p:cNvSpPr/>
+            <p:nvPr/>
+          </p:nvSpPr>
+          <p:spPr>
+            <a:xfrm>
+              <a:off x="10371666" y="3589867"/>
+              <a:ext cx="1817159" cy="3268133"/>
+            </a:xfrm>
+            <a:prstGeom prst="triangle">
+              <a:avLst>
+                <a:gd name="adj" fmla="val 100000"/>
+              </a:avLst>
             </a:prstGeom>
+            <a:solidFill>
+              <a:schemeClr val="accent1">
+                <a:alpha val="80000"/>
+              </a:schemeClr>
+            </a:solidFill>
+            <a:ln>
+              <a:noFill/>
+            </a:ln>
+            <a:effectLst/>
           </p:spPr>
-        </p:pic>
+          <p:style>
+            <a:lnRef idx="1">
+              <a:schemeClr val="accent1"/>
+            </a:lnRef>
+            <a:fillRef idx="3">
+              <a:schemeClr val="accent1"/>
+            </a:fillRef>
+            <a:effectRef idx="2">
+              <a:schemeClr val="accent1"/>
+            </a:effectRef>
+            <a:fontRef idx="minor">
+              <a:schemeClr val="lt1"/>
+            </a:fontRef>
+          </p:style>
+        </p:sp>
+        <p:sp>
+          <p:nvSpPr>
+            <p:cNvPr id="19" name="Isosceles Triangle 18"/>
+            <p:cNvSpPr/>
+            <p:nvPr/>
+          </p:nvSpPr>
+          <p:spPr>
+            <a:xfrm rot="10800000">
+              <a:off x="0" y="0"/>
+              <a:ext cx="842596" cy="5666154"/>
+            </a:xfrm>
+            <a:prstGeom prst="triangle">
+              <a:avLst>
+                <a:gd name="adj" fmla="val 100000"/>
+              </a:avLst>
+            </a:prstGeom>
+            <a:solidFill>
+              <a:schemeClr val="accent1">
+                <a:alpha val="85000"/>
+              </a:schemeClr>
+            </a:solidFill>
+            <a:ln>
+              <a:noFill/>
+            </a:ln>
+            <a:effectLst/>
+          </p:spPr>
+          <p:style>
+            <a:lnRef idx="1">
+              <a:schemeClr val="accent1"/>
+            </a:lnRef>
+            <a:fillRef idx="3">
+              <a:schemeClr val="accent1"/>
+            </a:fillRef>
+            <a:effectRef idx="2">
+              <a:schemeClr val="accent1"/>
+            </a:effectRef>
+            <a:fontRef idx="minor">
+              <a:schemeClr val="lt1"/>
+            </a:fontRef>
+          </p:style>
+        </p:sp>
       </p:grpSp>
       <p:sp>
         <p:nvSpPr>
@@ -273,8 +674,8 @@
         </p:nvSpPr>
         <p:spPr>
           <a:xfrm>
-            <a:off x="2692398" y="1871131"/>
-            <a:ext cx="6815669" cy="1515533"/>
+            <a:off x="1507067" y="2404534"/>
+            <a:ext cx="7766936" cy="1646302"/>
           </a:xfrm>
         </p:spPr>
         <p:txBody>
@@ -282,9 +683,11 @@
             <a:noAutofit/>
           </a:bodyPr>
           <a:lstStyle>
-            <a:lvl1pPr algn="ctr">
+            <a:lvl1pPr algn="r">
               <a:defRPr sz="5400">
-                <a:effectLst/>
+                <a:solidFill>
+                  <a:schemeClr val="accent1"/>
+                </a:solidFill>
               </a:defRPr>
             </a:lvl1pPr>
           </a:lstStyle>
@@ -309,20 +712,21 @@
         </p:nvSpPr>
         <p:spPr>
           <a:xfrm>
-            <a:off x="2692398" y="3657597"/>
-            <a:ext cx="6815669" cy="1320802"/>
+            <a:off x="1507067" y="4050833"/>
+            <a:ext cx="7766936" cy="1096899"/>
           </a:xfrm>
         </p:spPr>
         <p:txBody>
-          <a:bodyPr anchor="t">
-            <a:normAutofit/>
-          </a:bodyPr>
+          <a:bodyPr anchor="t"/>
           <a:lstStyle>
-            <a:lvl1pPr marL="0" indent="0" algn="ctr">
-              <a:buNone/>
-              <a:defRPr sz="2100">
-                <a:solidFill>
-                  <a:schemeClr val="tx1"/>
+            <a:lvl1pPr marL="0" indent="0" algn="r">
+              <a:buNone/>
+              <a:defRPr>
+                <a:solidFill>
+                  <a:schemeClr val="tx1">
+                    <a:lumMod val="50000"/>
+                    <a:lumOff val="50000"/>
+                  </a:schemeClr>
                 </a:solidFill>
               </a:defRPr>
             </a:lvl1pPr>
@@ -426,12 +830,7 @@
             <p:ph type="dt" sz="half" idx="10"/>
           </p:nvPr>
         </p:nvSpPr>
-        <p:spPr>
-          <a:xfrm>
-            <a:off x="7983232" y="5037663"/>
-            <a:ext cx="897467" cy="279400"/>
-          </a:xfrm>
-        </p:spPr>
+        <p:spPr/>
         <p:txBody>
           <a:bodyPr/>
           <a:lstStyle/>
@@ -454,12 +853,7 @@
             <p:ph type="ftr" sz="quarter" idx="11"/>
           </p:nvPr>
         </p:nvSpPr>
-        <p:spPr>
-          <a:xfrm>
-            <a:off x="2692397" y="5037663"/>
-            <a:ext cx="5214635" cy="279400"/>
-          </a:xfrm>
-        </p:spPr>
+        <p:spPr/>
         <p:txBody>
           <a:bodyPr/>
           <a:lstStyle/>
@@ -478,12 +872,7 @@
             <p:ph type="sldNum" sz="quarter" idx="12"/>
           </p:nvPr>
         </p:nvSpPr>
-        <p:spPr>
-          <a:xfrm>
-            <a:off x="8956900" y="5037663"/>
-            <a:ext cx="551167" cy="279400"/>
-          </a:xfrm>
-        </p:spPr>
+        <p:spPr/>
         <p:txBody>
           <a:bodyPr/>
           <a:lstStyle/>
@@ -496,40 +885,10 @@
           </a:p>
         </p:txBody>
       </p:sp>
-      <p:cxnSp>
-        <p:nvCxnSpPr>
-          <p:cNvPr id="15" name="Straight Connector 14"/>
-          <p:cNvCxnSpPr/>
-          <p:nvPr/>
-        </p:nvCxnSpPr>
-        <p:spPr>
-          <a:xfrm>
-            <a:off x="2692399" y="3522131"/>
-            <a:ext cx="6815668" cy="0"/>
-          </a:xfrm>
-          <a:prstGeom prst="line">
-            <a:avLst/>
-          </a:prstGeom>
-        </p:spPr>
-        <p:style>
-          <a:lnRef idx="2">
-            <a:schemeClr val="accent1"/>
-          </a:lnRef>
-          <a:fillRef idx="0">
-            <a:schemeClr val="accent1"/>
-          </a:fillRef>
-          <a:effectRef idx="1">
-            <a:schemeClr val="accent1"/>
-          </a:effectRef>
-          <a:fontRef idx="minor">
-            <a:schemeClr val="tx1"/>
-          </a:fontRef>
-        </p:style>
-      </p:cxnSp>
     </p:spTree>
     <p:extLst>
       <p:ext uri="{BB962C8B-B14F-4D97-AF65-F5344CB8AC3E}">
-        <p14:creationId xmlns:p14="http://schemas.microsoft.com/office/powerpoint/2010/main" val="4069672884"/>
+        <p14:creationId xmlns:p14="http://schemas.microsoft.com/office/powerpoint/2010/main" val="4289469678"/>
       </p:ext>
     </p:extLst>
   </p:cSld>
@@ -540,290 +899,6 @@
 </file>
 
 <file path=ppt/slideLayouts/slideLayout10.xml><?xml version="1.0" encoding="utf-8"?>
-<p:sldLayout xmlns:a="http://schemas.openxmlformats.org/drawingml/2006/main" xmlns:r="http://schemas.openxmlformats.org/officeDocument/2006/relationships" xmlns:p="http://schemas.openxmlformats.org/presentationml/2006/main" preserve="1">
-  <p:cSld name="Image panoramique avec légende">
-    <p:spTree>
-      <p:nvGrpSpPr>
-        <p:cNvPr id="1" name=""/>
-        <p:cNvGrpSpPr/>
-        <p:nvPr/>
-      </p:nvGrpSpPr>
-      <p:grpSpPr>
-        <a:xfrm>
-          <a:off x="0" y="0"/>
-          <a:ext cx="0" cy="0"/>
-          <a:chOff x="0" y="0"/>
-          <a:chExt cx="0" cy="0"/>
-        </a:xfrm>
-      </p:grpSpPr>
-      <p:sp>
-        <p:nvSpPr>
-          <p:cNvPr id="2" name="Title 1"/>
-          <p:cNvSpPr>
-            <a:spLocks noGrp="1"/>
-          </p:cNvSpPr>
-          <p:nvPr>
-            <p:ph type="title"/>
-          </p:nvPr>
-        </p:nvSpPr>
-        <p:spPr>
-          <a:xfrm>
-            <a:off x="1295401" y="4815415"/>
-            <a:ext cx="9609666" cy="566738"/>
-          </a:xfrm>
-        </p:spPr>
-        <p:txBody>
-          <a:bodyPr anchor="b">
-            <a:normAutofit/>
-          </a:bodyPr>
-          <a:lstStyle>
-            <a:lvl1pPr algn="ctr">
-              <a:defRPr sz="2400" b="0"/>
-            </a:lvl1pPr>
-          </a:lstStyle>
-          <a:p>
-            <a:r>
-              <a:rPr lang="fr-FR"/>
-              <a:t>Modifiez le style du titre</a:t>
-            </a:r>
-            <a:endParaRPr lang="en-US" dirty="0"/>
-          </a:p>
-        </p:txBody>
-      </p:sp>
-      <p:sp>
-        <p:nvSpPr>
-          <p:cNvPr id="3" name="Picture Placeholder 2"/>
-          <p:cNvSpPr>
-            <a:spLocks noGrp="1" noChangeAspect="1"/>
-          </p:cNvSpPr>
-          <p:nvPr>
-            <p:ph type="pic" idx="1"/>
-          </p:nvPr>
-        </p:nvSpPr>
-        <p:spPr>
-          <a:xfrm>
-            <a:off x="1041427" y="1041399"/>
-            <a:ext cx="10105972" cy="3335869"/>
-          </a:xfrm>
-          <a:prstGeom prst="roundRect">
-            <a:avLst>
-              <a:gd name="adj" fmla="val 0"/>
-            </a:avLst>
-          </a:prstGeom>
-          <a:ln w="57150" cmpd="thickThin">
-            <a:solidFill>
-              <a:schemeClr val="tx1">
-                <a:lumMod val="50000"/>
-                <a:lumOff val="50000"/>
-              </a:schemeClr>
-            </a:solidFill>
-            <a:miter lim="800000"/>
-          </a:ln>
-          <a:effectLst>
-            <a:innerShdw blurRad="57150" dist="38100" dir="14460000">
-              <a:srgbClr val="000000">
-                <a:alpha val="70000"/>
-              </a:srgbClr>
-            </a:innerShdw>
-          </a:effectLst>
-        </p:spPr>
-        <p:txBody>
-          <a:bodyPr anchor="t">
-            <a:normAutofit/>
-          </a:bodyPr>
-          <a:lstStyle>
-            <a:lvl1pPr marL="0" indent="0" algn="ctr">
-              <a:buNone/>
-              <a:defRPr sz="1600"/>
-            </a:lvl1pPr>
-            <a:lvl2pPr marL="457200" indent="0">
-              <a:buNone/>
-              <a:defRPr sz="1600"/>
-            </a:lvl2pPr>
-            <a:lvl3pPr marL="914400" indent="0">
-              <a:buNone/>
-              <a:defRPr sz="1600"/>
-            </a:lvl3pPr>
-            <a:lvl4pPr marL="1371600" indent="0">
-              <a:buNone/>
-              <a:defRPr sz="1600"/>
-            </a:lvl4pPr>
-            <a:lvl5pPr marL="1828800" indent="0">
-              <a:buNone/>
-              <a:defRPr sz="1600"/>
-            </a:lvl5pPr>
-            <a:lvl6pPr marL="2286000" indent="0">
-              <a:buNone/>
-              <a:defRPr sz="1600"/>
-            </a:lvl6pPr>
-            <a:lvl7pPr marL="2743200" indent="0">
-              <a:buNone/>
-              <a:defRPr sz="1600"/>
-            </a:lvl7pPr>
-            <a:lvl8pPr marL="3200400" indent="0">
-              <a:buNone/>
-              <a:defRPr sz="1600"/>
-            </a:lvl8pPr>
-            <a:lvl9pPr marL="3657600" indent="0">
-              <a:buNone/>
-              <a:defRPr sz="1600"/>
-            </a:lvl9pPr>
-          </a:lstStyle>
-          <a:p>
-            <a:r>
-              <a:rPr lang="fr-FR"/>
-              <a:t>Cliquez sur l'icône pour ajouter une image</a:t>
-            </a:r>
-            <a:endParaRPr lang="en-US" dirty="0"/>
-          </a:p>
-        </p:txBody>
-      </p:sp>
-      <p:sp>
-        <p:nvSpPr>
-          <p:cNvPr id="4" name="Text Placeholder 3"/>
-          <p:cNvSpPr>
-            <a:spLocks noGrp="1"/>
-          </p:cNvSpPr>
-          <p:nvPr>
-            <p:ph type="body" sz="half" idx="2"/>
-          </p:nvPr>
-        </p:nvSpPr>
-        <p:spPr>
-          <a:xfrm>
-            <a:off x="1295401" y="5382153"/>
-            <a:ext cx="9609666" cy="493712"/>
-          </a:xfrm>
-        </p:spPr>
-        <p:txBody>
-          <a:bodyPr>
-            <a:normAutofit/>
-          </a:bodyPr>
-          <a:lstStyle>
-            <a:lvl1pPr marL="0" indent="0" algn="ctr">
-              <a:buNone/>
-              <a:defRPr sz="1400"/>
-            </a:lvl1pPr>
-            <a:lvl2pPr marL="457200" indent="0">
-              <a:buNone/>
-              <a:defRPr sz="1200"/>
-            </a:lvl2pPr>
-            <a:lvl3pPr marL="914400" indent="0">
-              <a:buNone/>
-              <a:defRPr sz="1000"/>
-            </a:lvl3pPr>
-            <a:lvl4pPr marL="1371600" indent="0">
-              <a:buNone/>
-              <a:defRPr sz="900"/>
-            </a:lvl4pPr>
-            <a:lvl5pPr marL="1828800" indent="0">
-              <a:buNone/>
-              <a:defRPr sz="900"/>
-            </a:lvl5pPr>
-            <a:lvl6pPr marL="2286000" indent="0">
-              <a:buNone/>
-              <a:defRPr sz="900"/>
-            </a:lvl6pPr>
-            <a:lvl7pPr marL="2743200" indent="0">
-              <a:buNone/>
-              <a:defRPr sz="900"/>
-            </a:lvl7pPr>
-            <a:lvl8pPr marL="3200400" indent="0">
-              <a:buNone/>
-              <a:defRPr sz="900"/>
-            </a:lvl8pPr>
-            <a:lvl9pPr marL="3657600" indent="0">
-              <a:buNone/>
-              <a:defRPr sz="900"/>
-            </a:lvl9pPr>
-          </a:lstStyle>
-          <a:p>
-            <a:pPr lvl="0"/>
-            <a:r>
-              <a:rPr lang="fr-FR"/>
-              <a:t>Modifier les styles du texte du masque</a:t>
-            </a:r>
-          </a:p>
-        </p:txBody>
-      </p:sp>
-      <p:sp>
-        <p:nvSpPr>
-          <p:cNvPr id="5" name="Date Placeholder 4"/>
-          <p:cNvSpPr>
-            <a:spLocks noGrp="1"/>
-          </p:cNvSpPr>
-          <p:nvPr>
-            <p:ph type="dt" sz="half" idx="10"/>
-          </p:nvPr>
-        </p:nvSpPr>
-        <p:spPr/>
-        <p:txBody>
-          <a:bodyPr/>
-          <a:lstStyle/>
-          <a:p>
-            <a:fld id="{A5DF7D62-522D-4342-ABBA-3C73614B6288}" type="datetimeFigureOut">
-              <a:rPr lang="fr-FR" smtClean="0"/>
-              <a:t>11/01/2019</a:t>
-            </a:fld>
-            <a:endParaRPr lang="fr-FR"/>
-          </a:p>
-        </p:txBody>
-      </p:sp>
-      <p:sp>
-        <p:nvSpPr>
-          <p:cNvPr id="6" name="Footer Placeholder 5"/>
-          <p:cNvSpPr>
-            <a:spLocks noGrp="1"/>
-          </p:cNvSpPr>
-          <p:nvPr>
-            <p:ph type="ftr" sz="quarter" idx="11"/>
-          </p:nvPr>
-        </p:nvSpPr>
-        <p:spPr/>
-        <p:txBody>
-          <a:bodyPr/>
-          <a:lstStyle/>
-          <a:p>
-            <a:endParaRPr lang="fr-FR"/>
-          </a:p>
-        </p:txBody>
-      </p:sp>
-      <p:sp>
-        <p:nvSpPr>
-          <p:cNvPr id="7" name="Slide Number Placeholder 6"/>
-          <p:cNvSpPr>
-            <a:spLocks noGrp="1"/>
-          </p:cNvSpPr>
-          <p:nvPr>
-            <p:ph type="sldNum" sz="quarter" idx="12"/>
-          </p:nvPr>
-        </p:nvSpPr>
-        <p:spPr/>
-        <p:txBody>
-          <a:bodyPr/>
-          <a:lstStyle/>
-          <a:p>
-            <a:fld id="{F18AEB50-2969-4AE8-8F50-F364CFCB825E}" type="slidenum">
-              <a:rPr lang="fr-FR" smtClean="0"/>
-              <a:t>‹N°›</a:t>
-            </a:fld>
-            <a:endParaRPr lang="fr-FR"/>
-          </a:p>
-        </p:txBody>
-      </p:sp>
-    </p:spTree>
-    <p:extLst>
-      <p:ext uri="{BB962C8B-B14F-4D97-AF65-F5344CB8AC3E}">
-        <p14:creationId xmlns:p14="http://schemas.microsoft.com/office/powerpoint/2010/main" val="4137846361"/>
-      </p:ext>
-    </p:extLst>
-  </p:cSld>
-  <p:clrMapOvr>
-    <a:masterClrMapping/>
-  </p:clrMapOvr>
-</p:sldLayout>
-</file>
-
-<file path=ppt/slideLayouts/slideLayout11.xml><?xml version="1.0" encoding="utf-8"?>
 <p:sldLayout xmlns:a="http://schemas.openxmlformats.org/drawingml/2006/main" xmlns:r="http://schemas.openxmlformats.org/officeDocument/2006/relationships" xmlns:p="http://schemas.openxmlformats.org/presentationml/2006/main" preserve="1">
   <p:cSld name="Titre et légende">
     <p:spTree>
@@ -852,8 +927,8 @@
         </p:nvSpPr>
         <p:spPr>
           <a:xfrm>
-            <a:off x="1303868" y="982132"/>
-            <a:ext cx="9592732" cy="2954868"/>
+            <a:off x="677335" y="609600"/>
+            <a:ext cx="8596668" cy="3403600"/>
           </a:xfrm>
         </p:spPr>
         <p:txBody>
@@ -861,8 +936,8 @@
             <a:normAutofit/>
           </a:bodyPr>
           <a:lstStyle>
-            <a:lvl1pPr algn="ctr">
-              <a:defRPr sz="3200" b="0" cap="none"/>
+            <a:lvl1pPr algn="l">
+              <a:defRPr sz="4400" b="0" cap="none"/>
             </a:lvl1pPr>
           </a:lstStyle>
           <a:p>
@@ -886,8 +961,8 @@
         </p:nvSpPr>
         <p:spPr>
           <a:xfrm>
-            <a:off x="1303868" y="4343399"/>
-            <a:ext cx="9592732" cy="1532467"/>
+            <a:off x="677335" y="4470400"/>
+            <a:ext cx="8596668" cy="1570962"/>
           </a:xfrm>
         </p:spPr>
         <p:txBody>
@@ -895,11 +970,14 @@
             <a:normAutofit/>
           </a:bodyPr>
           <a:lstStyle>
-            <a:lvl1pPr marL="0" indent="0" algn="ctr">
-              <a:buNone/>
-              <a:defRPr sz="2000">
-                <a:solidFill>
-                  <a:schemeClr val="tx1"/>
+            <a:lvl1pPr marL="0" indent="0" algn="l">
+              <a:buNone/>
+              <a:defRPr sz="1800">
+                <a:solidFill>
+                  <a:schemeClr val="tx1">
+                    <a:lumMod val="75000"/>
+                    <a:lumOff val="25000"/>
+                  </a:schemeClr>
                 </a:solidFill>
               </a:defRPr>
             </a:lvl1pPr>
@@ -1058,41 +1136,10 @@
           </a:p>
         </p:txBody>
       </p:sp>
-      <p:cxnSp>
-        <p:nvCxnSpPr>
-          <p:cNvPr id="15" name="Straight Connector 14"/>
-          <p:cNvCxnSpPr/>
-          <p:nvPr/>
-        </p:nvCxnSpPr>
-        <p:spPr>
-          <a:xfrm>
-            <a:off x="1396169" y="4140199"/>
-            <a:ext cx="9407298" cy="0"/>
-          </a:xfrm>
-          <a:prstGeom prst="line">
-            <a:avLst/>
-          </a:prstGeom>
-          <a:ln w="15875"/>
-        </p:spPr>
-        <p:style>
-          <a:lnRef idx="2">
-            <a:schemeClr val="accent1"/>
-          </a:lnRef>
-          <a:fillRef idx="0">
-            <a:schemeClr val="accent1"/>
-          </a:fillRef>
-          <a:effectRef idx="1">
-            <a:schemeClr val="accent1"/>
-          </a:effectRef>
-          <a:fontRef idx="minor">
-            <a:schemeClr val="tx1"/>
-          </a:fontRef>
-        </p:style>
-      </p:cxnSp>
     </p:spTree>
     <p:extLst>
       <p:ext uri="{BB962C8B-B14F-4D97-AF65-F5344CB8AC3E}">
-        <p14:creationId xmlns:p14="http://schemas.microsoft.com/office/powerpoint/2010/main" val="1336855631"/>
+        <p14:creationId xmlns:p14="http://schemas.microsoft.com/office/powerpoint/2010/main" val="3085336445"/>
       </p:ext>
     </p:extLst>
   </p:cSld>
@@ -1102,7 +1149,7 @@
 </p:sldLayout>
 </file>
 
-<file path=ppt/slideLayouts/slideLayout12.xml><?xml version="1.0" encoding="utf-8"?>
+<file path=ppt/slideLayouts/slideLayout11.xml><?xml version="1.0" encoding="utf-8"?>
 <p:sldLayout xmlns:a="http://schemas.openxmlformats.org/drawingml/2006/main" xmlns:r="http://schemas.openxmlformats.org/officeDocument/2006/relationships" xmlns:p="http://schemas.openxmlformats.org/presentationml/2006/main" preserve="1">
   <p:cSld name="Citation avec légende">
     <p:spTree>
@@ -1131,8 +1178,8 @@
         </p:nvSpPr>
         <p:spPr>
           <a:xfrm>
-            <a:off x="1446213" y="982132"/>
-            <a:ext cx="9296398" cy="2370668"/>
+            <a:off x="931334" y="609600"/>
+            <a:ext cx="8094134" cy="3022600"/>
           </a:xfrm>
         </p:spPr>
         <p:txBody>
@@ -1140,12 +1187,8 @@
             <a:normAutofit/>
           </a:bodyPr>
           <a:lstStyle>
-            <a:lvl1pPr algn="ctr">
-              <a:defRPr sz="3200" b="0" cap="none">
-                <a:solidFill>
-                  <a:schemeClr val="tx1"/>
-                </a:solidFill>
-              </a:defRPr>
+            <a:lvl1pPr algn="l">
+              <a:defRPr sz="4400" b="0" cap="none"/>
             </a:lvl1pPr>
           </a:lstStyle>
           <a:p>
@@ -1159,7 +1202,7 @@
       </p:sp>
       <p:sp>
         <p:nvSpPr>
-          <p:cNvPr id="10" name="Text Placeholder 9"/>
+          <p:cNvPr id="23" name="Text Placeholder 9"/>
           <p:cNvSpPr>
             <a:spLocks noGrp="1"/>
           </p:cNvSpPr>
@@ -1169,8 +1212,71 @@
         </p:nvSpPr>
         <p:spPr>
           <a:xfrm>
-            <a:off x="1674812" y="3352800"/>
-            <a:ext cx="8839202" cy="584200"/>
+            <a:off x="1366139" y="3632200"/>
+            <a:ext cx="7224524" cy="381000"/>
+          </a:xfrm>
+        </p:spPr>
+        <p:txBody>
+          <a:bodyPr anchor="ctr">
+            <a:noAutofit/>
+          </a:bodyPr>
+          <a:lstStyle>
+            <a:lvl1pPr marL="0" indent="0">
+              <a:buFontTx/>
+              <a:buNone/>
+              <a:defRPr sz="1600">
+                <a:solidFill>
+                  <a:schemeClr val="tx1">
+                    <a:lumMod val="50000"/>
+                    <a:lumOff val="50000"/>
+                  </a:schemeClr>
+                </a:solidFill>
+              </a:defRPr>
+            </a:lvl1pPr>
+            <a:lvl2pPr marL="457200" indent="0">
+              <a:buFontTx/>
+              <a:buNone/>
+              <a:defRPr/>
+            </a:lvl2pPr>
+            <a:lvl3pPr marL="914400" indent="0">
+              <a:buFontTx/>
+              <a:buNone/>
+              <a:defRPr/>
+            </a:lvl3pPr>
+            <a:lvl4pPr marL="1371600" indent="0">
+              <a:buFontTx/>
+              <a:buNone/>
+              <a:defRPr/>
+            </a:lvl4pPr>
+            <a:lvl5pPr marL="1828800" indent="0">
+              <a:buFontTx/>
+              <a:buNone/>
+              <a:defRPr/>
+            </a:lvl5pPr>
+          </a:lstStyle>
+          <a:p>
+            <a:pPr lvl="0"/>
+            <a:r>
+              <a:rPr lang="fr-FR"/>
+              <a:t>Modifier les styles du texte du masque</a:t>
+            </a:r>
+          </a:p>
+        </p:txBody>
+      </p:sp>
+      <p:sp>
+        <p:nvSpPr>
+          <p:cNvPr id="3" name="Text Placeholder 2"/>
+          <p:cNvSpPr>
+            <a:spLocks noGrp="1"/>
+          </p:cNvSpPr>
+          <p:nvPr>
+            <p:ph type="body" idx="1"/>
+          </p:nvPr>
+        </p:nvSpPr>
+        <p:spPr>
+          <a:xfrm>
+            <a:off x="677335" y="4470400"/>
+            <a:ext cx="8596668" cy="1570962"/>
           </a:xfrm>
         </p:spPr>
         <p:txBody>
@@ -1178,67 +1284,14 @@
             <a:normAutofit/>
           </a:bodyPr>
           <a:lstStyle>
-            <a:lvl1pPr marL="0" indent="0" algn="r">
-              <a:buFontTx/>
-              <a:buNone/>
-              <a:defRPr sz="2000"/>
-            </a:lvl1pPr>
-            <a:lvl2pPr marL="457200" indent="0">
-              <a:buFontTx/>
-              <a:buNone/>
-              <a:defRPr/>
-            </a:lvl2pPr>
-            <a:lvl3pPr marL="914400" indent="0">
-              <a:buFontTx/>
-              <a:buNone/>
-              <a:defRPr/>
-            </a:lvl3pPr>
-            <a:lvl4pPr marL="1371600" indent="0">
-              <a:buFontTx/>
-              <a:buNone/>
-              <a:defRPr/>
-            </a:lvl4pPr>
-            <a:lvl5pPr marL="1828800" indent="0">
-              <a:buFontTx/>
-              <a:buNone/>
-              <a:defRPr/>
-            </a:lvl5pPr>
-          </a:lstStyle>
-          <a:p>
-            <a:pPr lvl="0"/>
-            <a:r>
-              <a:rPr lang="fr-FR"/>
-              <a:t>Modifier les styles du texte du masque</a:t>
-            </a:r>
-          </a:p>
-        </p:txBody>
-      </p:sp>
-      <p:sp>
-        <p:nvSpPr>
-          <p:cNvPr id="3" name="Text Placeholder 2"/>
-          <p:cNvSpPr>
-            <a:spLocks noGrp="1"/>
-          </p:cNvSpPr>
-          <p:nvPr>
-            <p:ph type="body" idx="1"/>
-          </p:nvPr>
-        </p:nvSpPr>
-        <p:spPr>
-          <a:xfrm>
-            <a:off x="1295401" y="4343399"/>
-            <a:ext cx="9609666" cy="1532467"/>
-          </a:xfrm>
-        </p:spPr>
-        <p:txBody>
-          <a:bodyPr anchor="ctr">
-            <a:normAutofit/>
-          </a:bodyPr>
-          <a:lstStyle>
-            <a:lvl1pPr marL="0" indent="0" algn="ctr">
-              <a:buNone/>
-              <a:defRPr sz="2000">
-                <a:solidFill>
-                  <a:schemeClr val="tx1"/>
+            <a:lvl1pPr marL="0" indent="0" algn="l">
+              <a:buNone/>
+              <a:defRPr sz="1800">
+                <a:solidFill>
+                  <a:schemeClr val="tx1">
+                    <a:lumMod val="75000"/>
+                    <a:lumOff val="25000"/>
+                  </a:schemeClr>
                 </a:solidFill>
               </a:defRPr>
             </a:lvl1pPr>
@@ -1399,13 +1452,13 @@
       </p:sp>
       <p:sp>
         <p:nvSpPr>
-          <p:cNvPr id="14" name="TextBox 13"/>
+          <p:cNvPr id="20" name="TextBox 19"/>
           <p:cNvSpPr txBox="1"/>
           <p:nvPr/>
         </p:nvSpPr>
         <p:spPr>
           <a:xfrm>
-            <a:off x="862013" y="879961"/>
+            <a:off x="541870" y="790378"/>
             <a:ext cx="609600" cy="584776"/>
           </a:xfrm>
           <a:prstGeom prst="rect">
@@ -1420,11 +1473,15 @@
           <a:p>
             <a:pPr lvl="0"/>
             <a:r>
-              <a:rPr lang="en-US" sz="8000" dirty="0">
-                <a:solidFill>
-                  <a:schemeClr val="tx1"/>
+              <a:rPr lang="en-US" sz="8000" baseline="0" dirty="0">
+                <a:ln w="3175" cmpd="sng">
+                  <a:noFill/>
+                </a:ln>
+                <a:solidFill>
+                  <a:schemeClr val="accent1"/>
                 </a:solidFill>
                 <a:effectLst/>
+                <a:latin typeface="Arial"/>
               </a:rPr>
               <a:t>“</a:t>
             </a:r>
@@ -1433,13 +1490,13 @@
       </p:sp>
       <p:sp>
         <p:nvSpPr>
-          <p:cNvPr id="15" name="TextBox 14"/>
+          <p:cNvPr id="22" name="TextBox 21"/>
           <p:cNvSpPr txBox="1"/>
           <p:nvPr/>
         </p:nvSpPr>
         <p:spPr>
           <a:xfrm>
-            <a:off x="10600267" y="2827870"/>
+            <a:off x="8893011" y="2886556"/>
             <a:ext cx="609600" cy="584776"/>
           </a:xfrm>
           <a:prstGeom prst="rect">
@@ -1452,54 +1509,27 @@
           </a:bodyPr>
           <a:lstStyle/>
           <a:p>
-            <a:pPr lvl="0" algn="r"/>
-            <a:r>
-              <a:rPr lang="en-US" sz="8000" dirty="0">
-                <a:solidFill>
-                  <a:schemeClr val="tx1"/>
+            <a:pPr lvl="0"/>
+            <a:r>
+              <a:rPr lang="en-US" sz="8000" baseline="0" dirty="0">
+                <a:ln w="3175" cmpd="sng">
+                  <a:noFill/>
+                </a:ln>
+                <a:solidFill>
+                  <a:schemeClr val="accent1"/>
                 </a:solidFill>
                 <a:effectLst/>
+                <a:latin typeface="Arial"/>
               </a:rPr>
               <a:t>”</a:t>
             </a:r>
           </a:p>
         </p:txBody>
       </p:sp>
-      <p:cxnSp>
-        <p:nvCxnSpPr>
-          <p:cNvPr id="19" name="Straight Connector 18"/>
-          <p:cNvCxnSpPr/>
-          <p:nvPr/>
-        </p:nvCxnSpPr>
-        <p:spPr>
-          <a:xfrm>
-            <a:off x="1396169" y="4140199"/>
-            <a:ext cx="9407298" cy="0"/>
-          </a:xfrm>
-          <a:prstGeom prst="line">
-            <a:avLst/>
-          </a:prstGeom>
-          <a:ln w="15875"/>
-        </p:spPr>
-        <p:style>
-          <a:lnRef idx="2">
-            <a:schemeClr val="accent1"/>
-          </a:lnRef>
-          <a:fillRef idx="0">
-            <a:schemeClr val="accent1"/>
-          </a:fillRef>
-          <a:effectRef idx="1">
-            <a:schemeClr val="accent1"/>
-          </a:effectRef>
-          <a:fontRef idx="minor">
-            <a:schemeClr val="tx1"/>
-          </a:fontRef>
-        </p:style>
-      </p:cxnSp>
     </p:spTree>
     <p:extLst>
       <p:ext uri="{BB962C8B-B14F-4D97-AF65-F5344CB8AC3E}">
-        <p14:creationId xmlns:p14="http://schemas.microsoft.com/office/powerpoint/2010/main" val="218894657"/>
+        <p14:creationId xmlns:p14="http://schemas.microsoft.com/office/powerpoint/2010/main" val="3182496943"/>
       </p:ext>
     </p:extLst>
   </p:cSld>
@@ -1509,7 +1539,7 @@
 </p:sldLayout>
 </file>
 
-<file path=ppt/slideLayouts/slideLayout13.xml><?xml version="1.0" encoding="utf-8"?>
+<file path=ppt/slideLayouts/slideLayout12.xml><?xml version="1.0" encoding="utf-8"?>
 <p:sldLayout xmlns:a="http://schemas.openxmlformats.org/drawingml/2006/main" xmlns:r="http://schemas.openxmlformats.org/officeDocument/2006/relationships" xmlns:p="http://schemas.openxmlformats.org/presentationml/2006/main" preserve="1">
   <p:cSld name="Carte nom">
     <p:spTree>
@@ -1538,8 +1568,8 @@
         </p:nvSpPr>
         <p:spPr>
           <a:xfrm>
-            <a:off x="1295402" y="3308581"/>
-            <a:ext cx="9609668" cy="1468800"/>
+            <a:off x="677335" y="1931988"/>
+            <a:ext cx="8596668" cy="2595460"/>
           </a:xfrm>
         </p:spPr>
         <p:txBody>
@@ -1548,7 +1578,7 @@
           </a:bodyPr>
           <a:lstStyle>
             <a:lvl1pPr algn="l">
-              <a:defRPr sz="3200" b="0" cap="none"/>
+              <a:defRPr sz="4400" b="0" cap="none"/>
             </a:lvl1pPr>
           </a:lstStyle>
           <a:p>
@@ -1572,8 +1602,8 @@
         </p:nvSpPr>
         <p:spPr>
           <a:xfrm>
-            <a:off x="1295401" y="4777381"/>
-            <a:ext cx="9609668" cy="860400"/>
+            <a:off x="677335" y="4527448"/>
+            <a:ext cx="8596668" cy="1513914"/>
           </a:xfrm>
         </p:spPr>
         <p:txBody>
@@ -1583,9 +1613,12 @@
           <a:lstStyle>
             <a:lvl1pPr marL="0" indent="0" algn="l">
               <a:buNone/>
-              <a:defRPr sz="2000">
-                <a:solidFill>
-                  <a:schemeClr val="tx1"/>
+              <a:defRPr sz="1800">
+                <a:solidFill>
+                  <a:schemeClr val="tx1">
+                    <a:lumMod val="75000"/>
+                    <a:lumOff val="25000"/>
+                  </a:schemeClr>
                 </a:solidFill>
               </a:defRPr>
             </a:lvl1pPr>
@@ -1747,7 +1780,7 @@
     </p:spTree>
     <p:extLst>
       <p:ext uri="{BB962C8B-B14F-4D97-AF65-F5344CB8AC3E}">
-        <p14:creationId xmlns:p14="http://schemas.microsoft.com/office/powerpoint/2010/main" val="276160537"/>
+        <p14:creationId xmlns:p14="http://schemas.microsoft.com/office/powerpoint/2010/main" val="1713333231"/>
       </p:ext>
     </p:extLst>
   </p:cSld>
@@ -1757,7 +1790,7 @@
 </p:sldLayout>
 </file>
 
-<file path=ppt/slideLayouts/slideLayout14.xml><?xml version="1.0" encoding="utf-8"?>
+<file path=ppt/slideLayouts/slideLayout13.xml><?xml version="1.0" encoding="utf-8"?>
 <p:sldLayout xmlns:a="http://schemas.openxmlformats.org/drawingml/2006/main" xmlns:r="http://schemas.openxmlformats.org/officeDocument/2006/relationships" xmlns:p="http://schemas.openxmlformats.org/presentationml/2006/main" preserve="1">
   <p:cSld name="Carte nom citation">
     <p:spTree>
@@ -1786,8 +1819,8 @@
         </p:nvSpPr>
         <p:spPr>
           <a:xfrm>
-            <a:off x="1446213" y="982132"/>
-            <a:ext cx="9296398" cy="2243668"/>
+            <a:off x="931334" y="609600"/>
+            <a:ext cx="8094134" cy="3022600"/>
           </a:xfrm>
         </p:spPr>
         <p:txBody>
@@ -1795,12 +1828,8 @@
             <a:normAutofit/>
           </a:bodyPr>
           <a:lstStyle>
-            <a:lvl1pPr algn="ctr">
-              <a:defRPr sz="3200" b="0" cap="none">
-                <a:solidFill>
-                  <a:schemeClr val="tx1"/>
-                </a:solidFill>
-              </a:defRPr>
+            <a:lvl1pPr algn="l">
+              <a:defRPr sz="4400" b="0" cap="none"/>
             </a:lvl1pPr>
           </a:lstStyle>
           <a:p>
@@ -1814,116 +1843,57 @@
       </p:sp>
       <p:sp>
         <p:nvSpPr>
-          <p:cNvPr id="23" name="Text Placeholder 2"/>
-          <p:cNvSpPr>
-            <a:spLocks noGrp="1"/>
-          </p:cNvSpPr>
-          <p:nvPr>
-            <p:ph type="body" idx="13"/>
+          <p:cNvPr id="23" name="Text Placeholder 9"/>
+          <p:cNvSpPr>
+            <a:spLocks noGrp="1"/>
+          </p:cNvSpPr>
+          <p:nvPr>
+            <p:ph type="body" sz="quarter" idx="13"/>
           </p:nvPr>
         </p:nvSpPr>
         <p:spPr>
           <a:xfrm>
-            <a:off x="1295401" y="3639312"/>
-            <a:ext cx="9609668" cy="886968"/>
+            <a:off x="677332" y="4013200"/>
+            <a:ext cx="8596669" cy="514248"/>
           </a:xfrm>
         </p:spPr>
         <p:txBody>
           <a:bodyPr anchor="b">
-            <a:normAutofit/>
+            <a:noAutofit/>
           </a:bodyPr>
           <a:lstStyle>
-            <a:lvl1pPr marL="0" indent="0" algn="l">
-              <a:spcBef>
-                <a:spcPts val="0"/>
-              </a:spcBef>
+            <a:lvl1pPr marL="0" indent="0">
+              <a:buFontTx/>
               <a:buNone/>
               <a:defRPr sz="2400">
                 <a:solidFill>
-                  <a:schemeClr val="tx1"/>
+                  <a:schemeClr val="tx1">
+                    <a:lumMod val="75000"/>
+                    <a:lumOff val="25000"/>
+                  </a:schemeClr>
                 </a:solidFill>
               </a:defRPr>
             </a:lvl1pPr>
             <a:lvl2pPr marL="457200" indent="0">
-              <a:buNone/>
-              <a:defRPr sz="1800">
-                <a:solidFill>
-                  <a:schemeClr val="tx1">
-                    <a:tint val="75000"/>
-                  </a:schemeClr>
-                </a:solidFill>
-              </a:defRPr>
+              <a:buFontTx/>
+              <a:buNone/>
+              <a:defRPr/>
             </a:lvl2pPr>
             <a:lvl3pPr marL="914400" indent="0">
-              <a:buNone/>
-              <a:defRPr sz="1600">
-                <a:solidFill>
-                  <a:schemeClr val="tx1">
-                    <a:tint val="75000"/>
-                  </a:schemeClr>
-                </a:solidFill>
-              </a:defRPr>
+              <a:buFontTx/>
+              <a:buNone/>
+              <a:defRPr/>
             </a:lvl3pPr>
             <a:lvl4pPr marL="1371600" indent="0">
-              <a:buNone/>
-              <a:defRPr sz="1400">
-                <a:solidFill>
-                  <a:schemeClr val="tx1">
-                    <a:tint val="75000"/>
-                  </a:schemeClr>
-                </a:solidFill>
-              </a:defRPr>
+              <a:buFontTx/>
+              <a:buNone/>
+              <a:defRPr/>
             </a:lvl4pPr>
             <a:lvl5pPr marL="1828800" indent="0">
-              <a:buNone/>
-              <a:defRPr sz="1400">
-                <a:solidFill>
-                  <a:schemeClr val="tx1">
-                    <a:tint val="75000"/>
-                  </a:schemeClr>
-                </a:solidFill>
-              </a:defRPr>
+              <a:buFontTx/>
+              <a:buNone/>
+              <a:defRPr/>
             </a:lvl5pPr>
-            <a:lvl6pPr marL="2286000" indent="0">
-              <a:buNone/>
-              <a:defRPr sz="1400">
-                <a:solidFill>
-                  <a:schemeClr val="tx1">
-                    <a:tint val="75000"/>
-                  </a:schemeClr>
-                </a:solidFill>
-              </a:defRPr>
-            </a:lvl6pPr>
-            <a:lvl7pPr marL="2743200" indent="0">
-              <a:buNone/>
-              <a:defRPr sz="1400">
-                <a:solidFill>
-                  <a:schemeClr val="tx1">
-                    <a:tint val="75000"/>
-                  </a:schemeClr>
-                </a:solidFill>
-              </a:defRPr>
-            </a:lvl7pPr>
-            <a:lvl8pPr marL="3200400" indent="0">
-              <a:buNone/>
-              <a:defRPr sz="1400">
-                <a:solidFill>
-                  <a:schemeClr val="tx1">
-                    <a:tint val="75000"/>
-                  </a:schemeClr>
-                </a:solidFill>
-              </a:defRPr>
-            </a:lvl8pPr>
-            <a:lvl9pPr marL="3657600" indent="0">
-              <a:buNone/>
-              <a:defRPr sz="1400">
-                <a:solidFill>
-                  <a:schemeClr val="tx1">
-                    <a:tint val="75000"/>
-                  </a:schemeClr>
-                </a:solidFill>
-              </a:defRPr>
-            </a:lvl9pPr>
           </a:lstStyle>
           <a:p>
             <a:pPr lvl="0"/>
@@ -1946,8 +1916,8 @@
         </p:nvSpPr>
         <p:spPr>
           <a:xfrm>
-            <a:off x="1295401" y="4529667"/>
-            <a:ext cx="9609668" cy="1346200"/>
+            <a:off x="677335" y="4527448"/>
+            <a:ext cx="8596668" cy="1513914"/>
           </a:xfrm>
         </p:spPr>
         <p:txBody>
@@ -1959,7 +1929,10 @@
               <a:buNone/>
               <a:defRPr sz="1800">
                 <a:solidFill>
-                  <a:schemeClr val="tx1"/>
+                  <a:schemeClr val="tx1">
+                    <a:lumMod val="50000"/>
+                    <a:lumOff val="50000"/>
+                  </a:schemeClr>
                 </a:solidFill>
               </a:defRPr>
             </a:lvl1pPr>
@@ -2120,13 +2093,13 @@
       </p:sp>
       <p:sp>
         <p:nvSpPr>
-          <p:cNvPr id="12" name="TextBox 11"/>
+          <p:cNvPr id="24" name="TextBox 23"/>
           <p:cNvSpPr txBox="1"/>
           <p:nvPr/>
         </p:nvSpPr>
         <p:spPr>
           <a:xfrm>
-            <a:off x="862013" y="879961"/>
+            <a:off x="541870" y="790378"/>
             <a:ext cx="609600" cy="584776"/>
           </a:xfrm>
           <a:prstGeom prst="rect">
@@ -2141,11 +2114,15 @@
           <a:p>
             <a:pPr lvl="0"/>
             <a:r>
-              <a:rPr lang="en-US" sz="8000" dirty="0">
-                <a:solidFill>
-                  <a:schemeClr val="tx1"/>
+              <a:rPr lang="en-US" sz="8000" baseline="0" dirty="0">
+                <a:ln w="3175" cmpd="sng">
+                  <a:noFill/>
+                </a:ln>
+                <a:solidFill>
+                  <a:schemeClr val="accent1"/>
                 </a:solidFill>
                 <a:effectLst/>
+                <a:latin typeface="Arial"/>
               </a:rPr>
               <a:t>“</a:t>
             </a:r>
@@ -2154,13 +2131,13 @@
       </p:sp>
       <p:sp>
         <p:nvSpPr>
-          <p:cNvPr id="13" name="TextBox 12"/>
+          <p:cNvPr id="25" name="TextBox 24"/>
           <p:cNvSpPr txBox="1"/>
           <p:nvPr/>
         </p:nvSpPr>
         <p:spPr>
           <a:xfrm>
-            <a:off x="10600267" y="2599261"/>
+            <a:off x="8893011" y="2886556"/>
             <a:ext cx="609600" cy="584776"/>
           </a:xfrm>
           <a:prstGeom prst="rect">
@@ -2173,54 +2150,27 @@
           </a:bodyPr>
           <a:lstStyle/>
           <a:p>
-            <a:pPr lvl="0" algn="r"/>
-            <a:r>
-              <a:rPr lang="en-US" sz="8000" dirty="0">
-                <a:solidFill>
-                  <a:schemeClr val="tx1"/>
+            <a:pPr lvl="0"/>
+            <a:r>
+              <a:rPr lang="en-US" sz="8000" baseline="0" dirty="0">
+                <a:ln w="3175" cmpd="sng">
+                  <a:noFill/>
+                </a:ln>
+                <a:solidFill>
+                  <a:schemeClr val="accent1"/>
                 </a:solidFill>
                 <a:effectLst/>
+                <a:latin typeface="Arial"/>
               </a:rPr>
               <a:t>”</a:t>
             </a:r>
           </a:p>
         </p:txBody>
       </p:sp>
-      <p:cxnSp>
-        <p:nvCxnSpPr>
-          <p:cNvPr id="26" name="Straight Connector 25"/>
-          <p:cNvCxnSpPr/>
-          <p:nvPr/>
-        </p:nvCxnSpPr>
-        <p:spPr>
-          <a:xfrm>
-            <a:off x="1396169" y="3429000"/>
-            <a:ext cx="9407298" cy="0"/>
-          </a:xfrm>
-          <a:prstGeom prst="line">
-            <a:avLst/>
-          </a:prstGeom>
-          <a:ln w="15875"/>
-        </p:spPr>
-        <p:style>
-          <a:lnRef idx="2">
-            <a:schemeClr val="accent1"/>
-          </a:lnRef>
-          <a:fillRef idx="0">
-            <a:schemeClr val="accent1"/>
-          </a:fillRef>
-          <a:effectRef idx="1">
-            <a:schemeClr val="accent1"/>
-          </a:effectRef>
-          <a:fontRef idx="minor">
-            <a:schemeClr val="tx1"/>
-          </a:fontRef>
-        </p:style>
-      </p:cxnSp>
     </p:spTree>
     <p:extLst>
       <p:ext uri="{BB962C8B-B14F-4D97-AF65-F5344CB8AC3E}">
-        <p14:creationId xmlns:p14="http://schemas.microsoft.com/office/powerpoint/2010/main" val="2321655776"/>
+        <p14:creationId xmlns:p14="http://schemas.microsoft.com/office/powerpoint/2010/main" val="733743946"/>
       </p:ext>
     </p:extLst>
   </p:cSld>
@@ -2230,7 +2180,7 @@
 </p:sldLayout>
 </file>
 
-<file path=ppt/slideLayouts/slideLayout15.xml><?xml version="1.0" encoding="utf-8"?>
+<file path=ppt/slideLayouts/slideLayout14.xml><?xml version="1.0" encoding="utf-8"?>
 <p:sldLayout xmlns:a="http://schemas.openxmlformats.org/drawingml/2006/main" xmlns:r="http://schemas.openxmlformats.org/officeDocument/2006/relationships" xmlns:p="http://schemas.openxmlformats.org/presentationml/2006/main" preserve="1">
   <p:cSld name="Vrai ou faux">
     <p:spTree>
@@ -2259,21 +2209,20 @@
         </p:nvSpPr>
         <p:spPr>
           <a:xfrm>
-            <a:off x="1295401" y="982132"/>
-            <a:ext cx="9609666" cy="2243668"/>
+            <a:off x="685799" y="609600"/>
+            <a:ext cx="8588203" cy="3022600"/>
           </a:xfrm>
         </p:spPr>
         <p:txBody>
-          <a:bodyPr vert="horz" lIns="91440" tIns="45720" rIns="91440" bIns="45720" rtlCol="0" anchor="ctr">
+          <a:bodyPr anchor="ctr">
             <a:normAutofit/>
           </a:bodyPr>
           <a:lstStyle>
-            <a:lvl1pPr>
-              <a:defRPr lang="en-US" b="0" dirty="0"/>
+            <a:lvl1pPr algn="l">
+              <a:defRPr sz="4400" b="0" cap="none"/>
             </a:lvl1pPr>
           </a:lstStyle>
           <a:p>
-            <a:pPr marL="0" lvl="0"/>
             <a:r>
               <a:rPr lang="fr-FR"/>
               <a:t>Modifiez le style du titre</a:t>
@@ -2284,116 +2233,54 @@
       </p:sp>
       <p:sp>
         <p:nvSpPr>
-          <p:cNvPr id="20" name="Text Placeholder 2"/>
-          <p:cNvSpPr>
-            <a:spLocks noGrp="1"/>
-          </p:cNvSpPr>
-          <p:nvPr>
-            <p:ph type="body" idx="13"/>
+          <p:cNvPr id="23" name="Text Placeholder 9"/>
+          <p:cNvSpPr>
+            <a:spLocks noGrp="1"/>
+          </p:cNvSpPr>
+          <p:nvPr>
+            <p:ph type="body" sz="quarter" idx="13"/>
           </p:nvPr>
         </p:nvSpPr>
         <p:spPr>
           <a:xfrm>
-            <a:off x="1295401" y="3630168"/>
-            <a:ext cx="9609668" cy="841248"/>
+            <a:off x="677332" y="4013200"/>
+            <a:ext cx="8596669" cy="514248"/>
           </a:xfrm>
         </p:spPr>
         <p:txBody>
           <a:bodyPr anchor="b">
-            <a:normAutofit/>
+            <a:noAutofit/>
           </a:bodyPr>
           <a:lstStyle>
-            <a:lvl1pPr marL="0" indent="0" algn="l">
-              <a:spcBef>
-                <a:spcPts val="0"/>
-              </a:spcBef>
-              <a:buNone/>
-              <a:defRPr sz="2800">
-                <a:solidFill>
-                  <a:schemeClr val="tx1"/>
+            <a:lvl1pPr marL="0" indent="0">
+              <a:buFontTx/>
+              <a:buNone/>
+              <a:defRPr sz="2400">
+                <a:solidFill>
+                  <a:schemeClr val="accent1"/>
                 </a:solidFill>
               </a:defRPr>
             </a:lvl1pPr>
             <a:lvl2pPr marL="457200" indent="0">
-              <a:buNone/>
-              <a:defRPr sz="1800">
-                <a:solidFill>
-                  <a:schemeClr val="tx1">
-                    <a:tint val="75000"/>
-                  </a:schemeClr>
-                </a:solidFill>
-              </a:defRPr>
+              <a:buFontTx/>
+              <a:buNone/>
+              <a:defRPr/>
             </a:lvl2pPr>
             <a:lvl3pPr marL="914400" indent="0">
-              <a:buNone/>
-              <a:defRPr sz="1600">
-                <a:solidFill>
-                  <a:schemeClr val="tx1">
-                    <a:tint val="75000"/>
-                  </a:schemeClr>
-                </a:solidFill>
-              </a:defRPr>
+              <a:buFontTx/>
+              <a:buNone/>
+              <a:defRPr/>
             </a:lvl3pPr>
             <a:lvl4pPr marL="1371600" indent="0">
-              <a:buNone/>
-              <a:defRPr sz="1400">
-                <a:solidFill>
-                  <a:schemeClr val="tx1">
-                    <a:tint val="75000"/>
-                  </a:schemeClr>
-                </a:solidFill>
-              </a:defRPr>
+              <a:buFontTx/>
+              <a:buNone/>
+              <a:defRPr/>
             </a:lvl4pPr>
             <a:lvl5pPr marL="1828800" indent="0">
-              <a:buNone/>
-              <a:defRPr sz="1400">
-                <a:solidFill>
-                  <a:schemeClr val="tx1">
-                    <a:tint val="75000"/>
-                  </a:schemeClr>
-                </a:solidFill>
-              </a:defRPr>
+              <a:buFontTx/>
+              <a:buNone/>
+              <a:defRPr/>
             </a:lvl5pPr>
-            <a:lvl6pPr marL="2286000" indent="0">
-              <a:buNone/>
-              <a:defRPr sz="1400">
-                <a:solidFill>
-                  <a:schemeClr val="tx1">
-                    <a:tint val="75000"/>
-                  </a:schemeClr>
-                </a:solidFill>
-              </a:defRPr>
-            </a:lvl6pPr>
-            <a:lvl7pPr marL="2743200" indent="0">
-              <a:buNone/>
-              <a:defRPr sz="1400">
-                <a:solidFill>
-                  <a:schemeClr val="tx1">
-                    <a:tint val="75000"/>
-                  </a:schemeClr>
-                </a:solidFill>
-              </a:defRPr>
-            </a:lvl7pPr>
-            <a:lvl8pPr marL="3200400" indent="0">
-              <a:buNone/>
-              <a:defRPr sz="1400">
-                <a:solidFill>
-                  <a:schemeClr val="tx1">
-                    <a:tint val="75000"/>
-                  </a:schemeClr>
-                </a:solidFill>
-              </a:defRPr>
-            </a:lvl8pPr>
-            <a:lvl9pPr marL="3657600" indent="0">
-              <a:buNone/>
-              <a:defRPr sz="1400">
-                <a:solidFill>
-                  <a:schemeClr val="tx1">
-                    <a:tint val="75000"/>
-                  </a:schemeClr>
-                </a:solidFill>
-              </a:defRPr>
-            </a:lvl9pPr>
           </a:lstStyle>
           <a:p>
             <a:pPr lvl="0"/>
@@ -2416,8 +2303,8 @@
         </p:nvSpPr>
         <p:spPr>
           <a:xfrm>
-            <a:off x="1295400" y="4470399"/>
-            <a:ext cx="9609670" cy="1405467"/>
+            <a:off x="677335" y="4527448"/>
+            <a:ext cx="8596668" cy="1513914"/>
           </a:xfrm>
         </p:spPr>
         <p:txBody>
@@ -2429,7 +2316,10 @@
               <a:buNone/>
               <a:defRPr sz="1800">
                 <a:solidFill>
-                  <a:schemeClr val="tx1"/>
+                  <a:schemeClr val="tx1">
+                    <a:lumMod val="50000"/>
+                    <a:lumOff val="50000"/>
+                  </a:schemeClr>
                 </a:solidFill>
               </a:defRPr>
             </a:lvl1pPr>
@@ -2588,41 +2478,10 @@
           </a:p>
         </p:txBody>
       </p:sp>
-      <p:cxnSp>
-        <p:nvCxnSpPr>
-          <p:cNvPr id="15" name="Straight Connector 14"/>
-          <p:cNvCxnSpPr/>
-          <p:nvPr/>
-        </p:nvCxnSpPr>
-        <p:spPr>
-          <a:xfrm>
-            <a:off x="1396169" y="3429000"/>
-            <a:ext cx="9407298" cy="0"/>
-          </a:xfrm>
-          <a:prstGeom prst="line">
-            <a:avLst/>
-          </a:prstGeom>
-          <a:ln w="15875"/>
-        </p:spPr>
-        <p:style>
-          <a:lnRef idx="2">
-            <a:schemeClr val="accent1"/>
-          </a:lnRef>
-          <a:fillRef idx="0">
-            <a:schemeClr val="accent1"/>
-          </a:fillRef>
-          <a:effectRef idx="1">
-            <a:schemeClr val="accent1"/>
-          </a:effectRef>
-          <a:fontRef idx="minor">
-            <a:schemeClr val="tx1"/>
-          </a:fontRef>
-        </p:style>
-      </p:cxnSp>
     </p:spTree>
     <p:extLst>
       <p:ext uri="{BB962C8B-B14F-4D97-AF65-F5344CB8AC3E}">
-        <p14:creationId xmlns:p14="http://schemas.microsoft.com/office/powerpoint/2010/main" val="3058359387"/>
+        <p14:creationId xmlns:p14="http://schemas.microsoft.com/office/powerpoint/2010/main" val="545162825"/>
       </p:ext>
     </p:extLst>
   </p:cSld>
@@ -2632,7 +2491,7 @@
 </p:sldLayout>
 </file>
 
-<file path=ppt/slideLayouts/slideLayout16.xml><?xml version="1.0" encoding="utf-8"?>
+<file path=ppt/slideLayouts/slideLayout15.xml><?xml version="1.0" encoding="utf-8"?>
 <p:sldLayout xmlns:a="http://schemas.openxmlformats.org/drawingml/2006/main" xmlns:r="http://schemas.openxmlformats.org/officeDocument/2006/relationships" xmlns:p="http://schemas.openxmlformats.org/presentationml/2006/main" type="vertTx" preserve="1">
   <p:cSld name="Titre et texte vertical">
     <p:spTree>
@@ -2662,11 +2521,7 @@
         <p:spPr/>
         <p:txBody>
           <a:bodyPr/>
-          <a:lstStyle>
-            <a:lvl1pPr algn="ctr">
-              <a:defRPr/>
-            </a:lvl1pPr>
-          </a:lstStyle>
+          <a:lstStyle/>
           <a:p>
             <a:r>
               <a:rPr lang="fr-FR"/>
@@ -2688,7 +2543,7 @@
         </p:nvSpPr>
         <p:spPr/>
         <p:txBody>
-          <a:bodyPr vert="eaVert" anchor="t"/>
+          <a:bodyPr vert="eaVert"/>
           <a:lstStyle/>
           <a:p>
             <a:pPr lvl="0"/>
@@ -2793,41 +2648,10 @@
           </a:p>
         </p:txBody>
       </p:sp>
-      <p:cxnSp>
-        <p:nvCxnSpPr>
-          <p:cNvPr id="14" name="Straight Connector 13"/>
-          <p:cNvCxnSpPr/>
-          <p:nvPr/>
-        </p:nvCxnSpPr>
-        <p:spPr>
-          <a:xfrm>
-            <a:off x="1396169" y="2421466"/>
-            <a:ext cx="9407298" cy="0"/>
-          </a:xfrm>
-          <a:prstGeom prst="line">
-            <a:avLst/>
-          </a:prstGeom>
-          <a:ln w="15875"/>
-        </p:spPr>
-        <p:style>
-          <a:lnRef idx="2">
-            <a:schemeClr val="accent1"/>
-          </a:lnRef>
-          <a:fillRef idx="0">
-            <a:schemeClr val="accent1"/>
-          </a:fillRef>
-          <a:effectRef idx="1">
-            <a:schemeClr val="accent1"/>
-          </a:effectRef>
-          <a:fontRef idx="minor">
-            <a:schemeClr val="tx1"/>
-          </a:fontRef>
-        </p:style>
-      </p:cxnSp>
     </p:spTree>
     <p:extLst>
       <p:ext uri="{BB962C8B-B14F-4D97-AF65-F5344CB8AC3E}">
-        <p14:creationId xmlns:p14="http://schemas.microsoft.com/office/powerpoint/2010/main" val="2301779464"/>
+        <p14:creationId xmlns:p14="http://schemas.microsoft.com/office/powerpoint/2010/main" val="3783353880"/>
       </p:ext>
     </p:extLst>
   </p:cSld>
@@ -2837,7 +2661,7 @@
 </p:sldLayout>
 </file>
 
-<file path=ppt/slideLayouts/slideLayout17.xml><?xml version="1.0" encoding="utf-8"?>
+<file path=ppt/slideLayouts/slideLayout16.xml><?xml version="1.0" encoding="utf-8"?>
 <p:sldLayout xmlns:a="http://schemas.openxmlformats.org/drawingml/2006/main" xmlns:r="http://schemas.openxmlformats.org/officeDocument/2006/relationships" xmlns:p="http://schemas.openxmlformats.org/presentationml/2006/main" type="vertTitleAndTx" preserve="1">
   <p:cSld name="Titre vertical et texte">
     <p:spTree>
@@ -2866,12 +2690,12 @@
         </p:nvSpPr>
         <p:spPr>
           <a:xfrm>
-            <a:off x="8999356" y="982131"/>
-            <a:ext cx="1890895" cy="4893735"/>
+            <a:off x="7967673" y="609599"/>
+            <a:ext cx="1304743" cy="5251451"/>
           </a:xfrm>
         </p:spPr>
         <p:txBody>
-          <a:bodyPr vert="eaVert"/>
+          <a:bodyPr vert="eaVert" anchor="ctr"/>
           <a:lstStyle/>
           <a:p>
             <a:r>
@@ -2894,12 +2718,12 @@
         </p:nvSpPr>
         <p:spPr>
           <a:xfrm>
-            <a:off x="1295398" y="982132"/>
-            <a:ext cx="7433025" cy="4893734"/>
+            <a:off x="677335" y="609600"/>
+            <a:ext cx="7060150" cy="5251450"/>
           </a:xfrm>
         </p:spPr>
         <p:txBody>
-          <a:bodyPr vert="eaVert" anchor="t"/>
+          <a:bodyPr vert="eaVert"/>
           <a:lstStyle/>
           <a:p>
             <a:pPr lvl="0"/>
@@ -3004,41 +2828,10 @@
           </a:p>
         </p:txBody>
       </p:sp>
-      <p:cxnSp>
-        <p:nvCxnSpPr>
-          <p:cNvPr id="14" name="Straight Connector 13"/>
-          <p:cNvCxnSpPr/>
-          <p:nvPr/>
-        </p:nvCxnSpPr>
-        <p:spPr>
-          <a:xfrm>
-            <a:off x="8863890" y="990600"/>
-            <a:ext cx="0" cy="4876800"/>
-          </a:xfrm>
-          <a:prstGeom prst="line">
-            <a:avLst/>
-          </a:prstGeom>
-          <a:ln w="15875"/>
-        </p:spPr>
-        <p:style>
-          <a:lnRef idx="2">
-            <a:schemeClr val="accent1"/>
-          </a:lnRef>
-          <a:fillRef idx="0">
-            <a:schemeClr val="accent1"/>
-          </a:fillRef>
-          <a:effectRef idx="1">
-            <a:schemeClr val="accent1"/>
-          </a:effectRef>
-          <a:fontRef idx="minor">
-            <a:schemeClr val="tx1"/>
-          </a:fontRef>
-        </p:style>
-      </p:cxnSp>
     </p:spTree>
     <p:extLst>
       <p:ext uri="{BB962C8B-B14F-4D97-AF65-F5344CB8AC3E}">
-        <p14:creationId xmlns:p14="http://schemas.microsoft.com/office/powerpoint/2010/main" val="2729911302"/>
+        <p14:creationId xmlns:p14="http://schemas.microsoft.com/office/powerpoint/2010/main" val="4229940999"/>
       </p:ext>
     </p:extLst>
   </p:cSld>
@@ -3065,37 +2858,6 @@
           <a:chExt cx="0" cy="0"/>
         </a:xfrm>
       </p:grpSpPr>
-      <p:cxnSp>
-        <p:nvCxnSpPr>
-          <p:cNvPr id="7" name="Straight Connector 6"/>
-          <p:cNvCxnSpPr/>
-          <p:nvPr/>
-        </p:nvCxnSpPr>
-        <p:spPr>
-          <a:xfrm>
-            <a:off x="1396169" y="2421466"/>
-            <a:ext cx="9407298" cy="0"/>
-          </a:xfrm>
-          <a:prstGeom prst="line">
-            <a:avLst/>
-          </a:prstGeom>
-          <a:ln w="15875"/>
-        </p:spPr>
-        <p:style>
-          <a:lnRef idx="2">
-            <a:schemeClr val="accent1"/>
-          </a:lnRef>
-          <a:fillRef idx="0">
-            <a:schemeClr val="accent1"/>
-          </a:fillRef>
-          <a:effectRef idx="1">
-            <a:schemeClr val="accent1"/>
-          </a:effectRef>
-          <a:fontRef idx="minor">
-            <a:schemeClr val="tx1"/>
-          </a:fontRef>
-        </p:style>
-      </p:cxnSp>
       <p:sp>
         <p:nvSpPr>
           <p:cNvPr id="2" name="Title 1"/>
@@ -3108,8 +2870,14 @@
         </p:nvSpPr>
         <p:spPr/>
         <p:txBody>
-          <a:bodyPr/>
-          <a:lstStyle/>
+          <a:bodyPr>
+            <a:normAutofit/>
+          </a:bodyPr>
+          <a:lstStyle>
+            <a:lvl1pPr>
+              <a:defRPr sz="3600"/>
+            </a:lvl1pPr>
+          </a:lstStyle>
           <a:p>
             <a:r>
               <a:rPr lang="fr-FR"/>
@@ -3239,7 +3007,7 @@
     </p:spTree>
     <p:extLst>
       <p:ext uri="{BB962C8B-B14F-4D97-AF65-F5344CB8AC3E}">
-        <p14:creationId xmlns:p14="http://schemas.microsoft.com/office/powerpoint/2010/main" val="3451794098"/>
+        <p14:creationId xmlns:p14="http://schemas.microsoft.com/office/powerpoint/2010/main" val="2416561921"/>
       </p:ext>
     </p:extLst>
   </p:cSld>
@@ -3278,17 +3046,15 @@
         </p:nvSpPr>
         <p:spPr>
           <a:xfrm>
-            <a:off x="2015069" y="1752606"/>
-            <a:ext cx="8158688" cy="1822514"/>
+            <a:off x="677335" y="2700867"/>
+            <a:ext cx="8596668" cy="1826581"/>
           </a:xfrm>
         </p:spPr>
         <p:txBody>
-          <a:bodyPr anchor="b">
-            <a:normAutofit/>
-          </a:bodyPr>
+          <a:bodyPr anchor="b"/>
           <a:lstStyle>
-            <a:lvl1pPr algn="ctr">
-              <a:defRPr sz="4400" b="0" cap="none"/>
+            <a:lvl1pPr algn="l">
+              <a:defRPr sz="4000" b="0" cap="none"/>
             </a:lvl1pPr>
           </a:lstStyle>
           <a:p>
@@ -3312,20 +3078,21 @@
         </p:nvSpPr>
         <p:spPr>
           <a:xfrm>
-            <a:off x="2015067" y="3846051"/>
-            <a:ext cx="8158690" cy="954547"/>
+            <a:off x="677335" y="4527448"/>
+            <a:ext cx="8596668" cy="860400"/>
           </a:xfrm>
         </p:spPr>
         <p:txBody>
-          <a:bodyPr anchor="t">
-            <a:normAutofit/>
-          </a:bodyPr>
+          <a:bodyPr anchor="t"/>
           <a:lstStyle>
-            <a:lvl1pPr marL="0" indent="0" algn="ctr">
-              <a:buNone/>
-              <a:defRPr sz="2400">
-                <a:solidFill>
-                  <a:schemeClr val="tx1"/>
+            <a:lvl1pPr marL="0" indent="0" algn="l">
+              <a:buNone/>
+              <a:defRPr sz="2000">
+                <a:solidFill>
+                  <a:schemeClr val="tx1">
+                    <a:lumMod val="50000"/>
+                    <a:lumOff val="50000"/>
+                  </a:schemeClr>
                 </a:solidFill>
               </a:defRPr>
             </a:lvl1pPr>
@@ -3484,41 +3251,10 @@
           </a:p>
         </p:txBody>
       </p:sp>
-      <p:cxnSp>
-        <p:nvCxnSpPr>
-          <p:cNvPr id="16" name="Straight Connector 15"/>
-          <p:cNvCxnSpPr/>
-          <p:nvPr/>
-        </p:nvCxnSpPr>
-        <p:spPr>
-          <a:xfrm>
-            <a:off x="2012723" y="3710585"/>
-            <a:ext cx="8163380" cy="0"/>
-          </a:xfrm>
-          <a:prstGeom prst="line">
-            <a:avLst/>
-          </a:prstGeom>
-          <a:ln w="15875"/>
-        </p:spPr>
-        <p:style>
-          <a:lnRef idx="2">
-            <a:schemeClr val="accent1"/>
-          </a:lnRef>
-          <a:fillRef idx="0">
-            <a:schemeClr val="accent1"/>
-          </a:fillRef>
-          <a:effectRef idx="1">
-            <a:schemeClr val="accent1"/>
-          </a:effectRef>
-          <a:fontRef idx="minor">
-            <a:schemeClr val="tx1"/>
-          </a:fontRef>
-        </p:style>
-      </p:cxnSp>
     </p:spTree>
     <p:extLst>
       <p:ext uri="{BB962C8B-B14F-4D97-AF65-F5344CB8AC3E}">
-        <p14:creationId xmlns:p14="http://schemas.microsoft.com/office/powerpoint/2010/main" val="2281002821"/>
+        <p14:creationId xmlns:p14="http://schemas.microsoft.com/office/powerpoint/2010/main" val="1163227003"/>
       </p:ext>
     </p:extLst>
   </p:cSld>
@@ -3545,55 +3281,81 @@
           <a:chExt cx="0" cy="0"/>
         </a:xfrm>
       </p:grpSpPr>
-      <p:cxnSp>
-        <p:nvCxnSpPr>
-          <p:cNvPr id="8" name="Straight Connector 7"/>
-          <p:cNvCxnSpPr/>
-          <p:nvPr/>
-        </p:nvCxnSpPr>
+      <p:sp>
+        <p:nvSpPr>
+          <p:cNvPr id="2" name="Title 1"/>
+          <p:cNvSpPr>
+            <a:spLocks noGrp="1"/>
+          </p:cNvSpPr>
+          <p:nvPr>
+            <p:ph type="title"/>
+          </p:nvPr>
+        </p:nvSpPr>
+        <p:spPr/>
+        <p:txBody>
+          <a:bodyPr/>
+          <a:lstStyle/>
+          <a:p>
+            <a:r>
+              <a:rPr lang="fr-FR"/>
+              <a:t>Modifiez le style du titre</a:t>
+            </a:r>
+            <a:endParaRPr lang="en-US" dirty="0"/>
+          </a:p>
+        </p:txBody>
+      </p:sp>
+      <p:sp>
+        <p:nvSpPr>
+          <p:cNvPr id="3" name="Content Placeholder 2"/>
+          <p:cNvSpPr>
+            <a:spLocks noGrp="1"/>
+          </p:cNvSpPr>
+          <p:nvPr>
+            <p:ph sz="half" idx="1"/>
+          </p:nvPr>
+        </p:nvSpPr>
         <p:spPr>
           <a:xfrm>
-            <a:off x="1396169" y="2421466"/>
-            <a:ext cx="9407298" cy="0"/>
+            <a:off x="677334" y="2160589"/>
+            <a:ext cx="4184035" cy="3880772"/>
           </a:xfrm>
-          <a:prstGeom prst="line">
-            <a:avLst/>
-          </a:prstGeom>
-          <a:ln w="15875"/>
         </p:spPr>
-        <p:style>
-          <a:lnRef idx="2">
-            <a:schemeClr val="accent1"/>
-          </a:lnRef>
-          <a:fillRef idx="0">
-            <a:schemeClr val="accent1"/>
-          </a:fillRef>
-          <a:effectRef idx="1">
-            <a:schemeClr val="accent1"/>
-          </a:effectRef>
-          <a:fontRef idx="minor">
-            <a:schemeClr val="tx1"/>
-          </a:fontRef>
-        </p:style>
-      </p:cxnSp>
-      <p:sp>
-        <p:nvSpPr>
-          <p:cNvPr id="2" name="Title 1"/>
-          <p:cNvSpPr>
-            <a:spLocks noGrp="1"/>
-          </p:cNvSpPr>
-          <p:nvPr>
-            <p:ph type="title"/>
-          </p:nvPr>
-        </p:nvSpPr>
-        <p:spPr/>
         <p:txBody>
           <a:bodyPr/>
           <a:lstStyle/>
           <a:p>
-            <a:r>
-              <a:rPr lang="fr-FR"/>
-              <a:t>Modifiez le style du titre</a:t>
+            <a:pPr lvl="0"/>
+            <a:r>
+              <a:rPr lang="fr-FR"/>
+              <a:t>Modifier les styles du texte du masque</a:t>
+            </a:r>
+          </a:p>
+          <a:p>
+            <a:pPr lvl="1"/>
+            <a:r>
+              <a:rPr lang="fr-FR"/>
+              <a:t>Deuxième niveau</a:t>
+            </a:r>
+          </a:p>
+          <a:p>
+            <a:pPr lvl="2"/>
+            <a:r>
+              <a:rPr lang="fr-FR"/>
+              <a:t>Troisième niveau</a:t>
+            </a:r>
+          </a:p>
+          <a:p>
+            <a:pPr lvl="3"/>
+            <a:r>
+              <a:rPr lang="fr-FR"/>
+              <a:t>Quatrième niveau</a:t>
+            </a:r>
+          </a:p>
+          <a:p>
+            <a:pPr lvl="4"/>
+            <a:r>
+              <a:rPr lang="fr-FR"/>
+              <a:t>Cinquième niveau</a:t>
             </a:r>
             <a:endParaRPr lang="en-US" dirty="0"/>
           </a:p>
@@ -3601,83 +3363,22 @@
       </p:sp>
       <p:sp>
         <p:nvSpPr>
-          <p:cNvPr id="3" name="Content Placeholder 2"/>
-          <p:cNvSpPr>
-            <a:spLocks noGrp="1"/>
-          </p:cNvSpPr>
-          <p:nvPr>
-            <p:ph sz="half" idx="1"/>
+          <p:cNvPr id="4" name="Content Placeholder 3"/>
+          <p:cNvSpPr>
+            <a:spLocks noGrp="1"/>
+          </p:cNvSpPr>
+          <p:nvPr>
+            <p:ph sz="half" idx="2"/>
           </p:nvPr>
         </p:nvSpPr>
         <p:spPr>
           <a:xfrm>
-            <a:off x="1298448" y="2560320"/>
-            <a:ext cx="4718304" cy="3310128"/>
+            <a:off x="5089970" y="2160589"/>
+            <a:ext cx="4184034" cy="3880773"/>
           </a:xfrm>
         </p:spPr>
         <p:txBody>
-          <a:bodyPr>
-            <a:normAutofit/>
-          </a:bodyPr>
-          <a:lstStyle/>
-          <a:p>
-            <a:pPr lvl="0"/>
-            <a:r>
-              <a:rPr lang="fr-FR"/>
-              <a:t>Modifier les styles du texte du masque</a:t>
-            </a:r>
-          </a:p>
-          <a:p>
-            <a:pPr lvl="1"/>
-            <a:r>
-              <a:rPr lang="fr-FR"/>
-              <a:t>Deuxième niveau</a:t>
-            </a:r>
-          </a:p>
-          <a:p>
-            <a:pPr lvl="2"/>
-            <a:r>
-              <a:rPr lang="fr-FR"/>
-              <a:t>Troisième niveau</a:t>
-            </a:r>
-          </a:p>
-          <a:p>
-            <a:pPr lvl="3"/>
-            <a:r>
-              <a:rPr lang="fr-FR"/>
-              <a:t>Quatrième niveau</a:t>
-            </a:r>
-          </a:p>
-          <a:p>
-            <a:pPr lvl="4"/>
-            <a:r>
-              <a:rPr lang="fr-FR"/>
-              <a:t>Cinquième niveau</a:t>
-            </a:r>
-            <a:endParaRPr lang="en-US" dirty="0"/>
-          </a:p>
-        </p:txBody>
-      </p:sp>
-      <p:sp>
-        <p:nvSpPr>
-          <p:cNvPr id="4" name="Content Placeholder 3"/>
-          <p:cNvSpPr>
-            <a:spLocks noGrp="1"/>
-          </p:cNvSpPr>
-          <p:nvPr>
-            <p:ph sz="half" idx="2"/>
-          </p:nvPr>
-        </p:nvSpPr>
-        <p:spPr>
-          <a:xfrm>
-            <a:off x="6181344" y="2560320"/>
-            <a:ext cx="4718304" cy="3310128"/>
-          </a:xfrm>
-        </p:spPr>
-        <p:txBody>
-          <a:bodyPr>
-            <a:normAutofit/>
-          </a:bodyPr>
+          <a:bodyPr/>
           <a:lstStyle/>
           <a:p>
             <a:pPr lvl="0"/>
@@ -3785,7 +3486,7 @@
     </p:spTree>
     <p:extLst>
       <p:ext uri="{BB962C8B-B14F-4D97-AF65-F5344CB8AC3E}">
-        <p14:creationId xmlns:p14="http://schemas.microsoft.com/office/powerpoint/2010/main" val="4087949875"/>
+        <p14:creationId xmlns:p14="http://schemas.microsoft.com/office/powerpoint/2010/main" val="2628740212"/>
       </p:ext>
     </p:extLst>
   </p:cSld>
@@ -3851,8 +3552,8 @@
         </p:nvSpPr>
         <p:spPr>
           <a:xfrm>
-            <a:off x="1295400" y="2658533"/>
-            <a:ext cx="4718304" cy="576262"/>
+            <a:off x="675745" y="2160983"/>
+            <a:ext cx="4185623" cy="576262"/>
           </a:xfrm>
         </p:spPr>
         <p:txBody>
@@ -3861,18 +3562,8 @@
           </a:bodyPr>
           <a:lstStyle>
             <a:lvl1pPr marL="0" indent="0">
-              <a:spcBef>
-                <a:spcPts val="672"/>
-              </a:spcBef>
-              <a:spcAft>
-                <a:spcPts val="600"/>
-              </a:spcAft>
-              <a:buNone/>
-              <a:defRPr sz="2800" b="0">
-                <a:solidFill>
-                  <a:schemeClr val="accent1"/>
-                </a:solidFill>
-              </a:defRPr>
+              <a:buNone/>
+              <a:defRPr sz="2400" b="0"/>
             </a:lvl1pPr>
             <a:lvl2pPr marL="457200" indent="0">
               <a:buNone/>
@@ -3928,12 +3619,12 @@
         </p:nvSpPr>
         <p:spPr>
           <a:xfrm>
-            <a:off x="1295400" y="3243262"/>
-            <a:ext cx="4718304" cy="2632605"/>
+            <a:off x="675745" y="2737245"/>
+            <a:ext cx="4185623" cy="3304117"/>
           </a:xfrm>
         </p:spPr>
         <p:txBody>
-          <a:bodyPr anchor="t">
+          <a:bodyPr>
             <a:normAutofit/>
           </a:bodyPr>
           <a:lstStyle/>
@@ -3987,8 +3678,8 @@
         </p:nvSpPr>
         <p:spPr>
           <a:xfrm>
-            <a:off x="6180670" y="2658533"/>
-            <a:ext cx="4718304" cy="576262"/>
+            <a:off x="5088383" y="2160983"/>
+            <a:ext cx="4185618" cy="576262"/>
           </a:xfrm>
         </p:spPr>
         <p:txBody>
@@ -3997,18 +3688,8 @@
           </a:bodyPr>
           <a:lstStyle>
             <a:lvl1pPr marL="0" indent="0">
-              <a:spcBef>
-                <a:spcPts val="672"/>
-              </a:spcBef>
-              <a:spcAft>
-                <a:spcPts val="600"/>
-              </a:spcAft>
-              <a:buNone/>
-              <a:defRPr sz="2800" b="0">
-                <a:solidFill>
-                  <a:schemeClr val="accent1"/>
-                </a:solidFill>
-              </a:defRPr>
+              <a:buNone/>
+              <a:defRPr sz="2400" b="0"/>
             </a:lvl1pPr>
             <a:lvl2pPr marL="457200" indent="0">
               <a:buNone/>
@@ -4064,12 +3745,12 @@
         </p:nvSpPr>
         <p:spPr>
           <a:xfrm>
-            <a:off x="6180670" y="3243262"/>
-            <a:ext cx="4718304" cy="2632605"/>
+            <a:off x="5088384" y="2737245"/>
+            <a:ext cx="4185617" cy="3304117"/>
           </a:xfrm>
         </p:spPr>
         <p:txBody>
-          <a:bodyPr anchor="t">
+          <a:bodyPr>
             <a:normAutofit/>
           </a:bodyPr>
           <a:lstStyle/>
@@ -4176,41 +3857,10 @@
           </a:p>
         </p:txBody>
       </p:sp>
-      <p:cxnSp>
-        <p:nvCxnSpPr>
-          <p:cNvPr id="18" name="Straight Connector 17"/>
-          <p:cNvCxnSpPr/>
-          <p:nvPr/>
-        </p:nvCxnSpPr>
-        <p:spPr>
-          <a:xfrm>
-            <a:off x="1396169" y="2421466"/>
-            <a:ext cx="9407298" cy="0"/>
-          </a:xfrm>
-          <a:prstGeom prst="line">
-            <a:avLst/>
-          </a:prstGeom>
-          <a:ln w="15875"/>
-        </p:spPr>
-        <p:style>
-          <a:lnRef idx="2">
-            <a:schemeClr val="accent1"/>
-          </a:lnRef>
-          <a:fillRef idx="0">
-            <a:schemeClr val="accent1"/>
-          </a:fillRef>
-          <a:effectRef idx="1">
-            <a:schemeClr val="accent1"/>
-          </a:effectRef>
-          <a:fontRef idx="minor">
-            <a:schemeClr val="tx1"/>
-          </a:fontRef>
-        </p:style>
-      </p:cxnSp>
     </p:spTree>
     <p:extLst>
       <p:ext uri="{BB962C8B-B14F-4D97-AF65-F5344CB8AC3E}">
-        <p14:creationId xmlns:p14="http://schemas.microsoft.com/office/powerpoint/2010/main" val="2630392066"/>
+        <p14:creationId xmlns:p14="http://schemas.microsoft.com/office/powerpoint/2010/main" val="2114310644"/>
       </p:ext>
     </p:extLst>
   </p:cSld>
@@ -4247,7 +3897,12 @@
             <p:ph type="title"/>
           </p:nvPr>
         </p:nvSpPr>
-        <p:spPr/>
+        <p:spPr>
+          <a:xfrm>
+            <a:off x="677334" y="609600"/>
+            <a:ext cx="8596668" cy="1320800"/>
+          </a:xfrm>
+        </p:spPr>
         <p:txBody>
           <a:bodyPr/>
           <a:lstStyle/>
@@ -4325,41 +3980,10 @@
           </a:p>
         </p:txBody>
       </p:sp>
-      <p:cxnSp>
-        <p:nvCxnSpPr>
-          <p:cNvPr id="14" name="Straight Connector 13"/>
-          <p:cNvCxnSpPr/>
-          <p:nvPr/>
-        </p:nvCxnSpPr>
-        <p:spPr>
-          <a:xfrm>
-            <a:off x="1396169" y="2421466"/>
-            <a:ext cx="9407298" cy="0"/>
-          </a:xfrm>
-          <a:prstGeom prst="line">
-            <a:avLst/>
-          </a:prstGeom>
-          <a:ln w="15875"/>
-        </p:spPr>
-        <p:style>
-          <a:lnRef idx="2">
-            <a:schemeClr val="accent1"/>
-          </a:lnRef>
-          <a:fillRef idx="0">
-            <a:schemeClr val="accent1"/>
-          </a:fillRef>
-          <a:effectRef idx="1">
-            <a:schemeClr val="accent1"/>
-          </a:effectRef>
-          <a:fontRef idx="minor">
-            <a:schemeClr val="tx1"/>
-          </a:fontRef>
-        </p:style>
-      </p:cxnSp>
     </p:spTree>
     <p:extLst>
       <p:ext uri="{BB962C8B-B14F-4D97-AF65-F5344CB8AC3E}">
-        <p14:creationId xmlns:p14="http://schemas.microsoft.com/office/powerpoint/2010/main" val="3484774056"/>
+        <p14:creationId xmlns:p14="http://schemas.microsoft.com/office/powerpoint/2010/main" val="915737495"/>
       </p:ext>
     </p:extLst>
   </p:cSld>
@@ -4454,7 +4078,7 @@
     </p:spTree>
     <p:extLst>
       <p:ext uri="{BB962C8B-B14F-4D97-AF65-F5344CB8AC3E}">
-        <p14:creationId xmlns:p14="http://schemas.microsoft.com/office/powerpoint/2010/main" val="184926867"/>
+        <p14:creationId xmlns:p14="http://schemas.microsoft.com/office/powerpoint/2010/main" val="3981850750"/>
       </p:ext>
     </p:extLst>
   </p:cSld>
@@ -4493,8 +4117,8 @@
         </p:nvSpPr>
         <p:spPr>
           <a:xfrm>
-            <a:off x="1293811" y="1388534"/>
-            <a:ext cx="3718455" cy="1371600"/>
+            <a:off x="677334" y="1498604"/>
+            <a:ext cx="3854528" cy="1278466"/>
           </a:xfrm>
         </p:spPr>
         <p:txBody>
@@ -4502,8 +4126,8 @@
             <a:normAutofit/>
           </a:bodyPr>
           <a:lstStyle>
-            <a:lvl1pPr algn="ctr">
-              <a:defRPr sz="2400" b="0"/>
+            <a:lvl1pPr>
+              <a:defRPr sz="2000"/>
             </a:lvl1pPr>
           </a:lstStyle>
           <a:p>
@@ -4527,12 +4151,12 @@
         </p:nvSpPr>
         <p:spPr>
           <a:xfrm>
-            <a:off x="5418668" y="982131"/>
-            <a:ext cx="5469466" cy="4893735"/>
+            <a:off x="4760461" y="514924"/>
+            <a:ext cx="4513541" cy="5526437"/>
           </a:xfrm>
         </p:spPr>
         <p:txBody>
-          <a:bodyPr anchor="ctr">
+          <a:bodyPr>
             <a:normAutofit/>
           </a:bodyPr>
           <a:lstStyle/>
@@ -4586,50 +4210,50 @@
         </p:nvSpPr>
         <p:spPr>
           <a:xfrm>
-            <a:off x="1293811" y="3031065"/>
-            <a:ext cx="3718455" cy="2438404"/>
+            <a:off x="677334" y="2777069"/>
+            <a:ext cx="3854528" cy="2584449"/>
           </a:xfrm>
         </p:spPr>
         <p:txBody>
-          <a:bodyPr anchor="t">
+          <a:bodyPr>
             <a:normAutofit/>
           </a:bodyPr>
           <a:lstStyle>
-            <a:lvl1pPr marL="0" indent="0" algn="ctr">
-              <a:buNone/>
-              <a:defRPr sz="1600"/>
+            <a:lvl1pPr marL="0" indent="0">
+              <a:buNone/>
+              <a:defRPr sz="1400"/>
             </a:lvl1pPr>
-            <a:lvl2pPr marL="457200" indent="0">
+            <a:lvl2pPr marL="457063" indent="0">
+              <a:buNone/>
+              <a:defRPr sz="1400"/>
+            </a:lvl2pPr>
+            <a:lvl3pPr marL="914126" indent="0">
               <a:buNone/>
               <a:defRPr sz="1200"/>
-            </a:lvl2pPr>
-            <a:lvl3pPr marL="914400" indent="0">
+            </a:lvl3pPr>
+            <a:lvl4pPr marL="1371189" indent="0">
               <a:buNone/>
               <a:defRPr sz="1000"/>
-            </a:lvl3pPr>
-            <a:lvl4pPr marL="1371600" indent="0">
-              <a:buNone/>
-              <a:defRPr sz="900"/>
             </a:lvl4pPr>
-            <a:lvl5pPr marL="1828800" indent="0">
-              <a:buNone/>
-              <a:defRPr sz="900"/>
+            <a:lvl5pPr marL="1828251" indent="0">
+              <a:buNone/>
+              <a:defRPr sz="1000"/>
             </a:lvl5pPr>
-            <a:lvl6pPr marL="2286000" indent="0">
-              <a:buNone/>
-              <a:defRPr sz="900"/>
+            <a:lvl6pPr marL="2285314" indent="0">
+              <a:buNone/>
+              <a:defRPr sz="1000"/>
             </a:lvl6pPr>
-            <a:lvl7pPr marL="2743200" indent="0">
-              <a:buNone/>
-              <a:defRPr sz="900"/>
+            <a:lvl7pPr marL="2742377" indent="0">
+              <a:buNone/>
+              <a:defRPr sz="1000"/>
             </a:lvl7pPr>
-            <a:lvl8pPr marL="3200400" indent="0">
-              <a:buNone/>
-              <a:defRPr sz="900"/>
+            <a:lvl8pPr marL="3199440" indent="0">
+              <a:buNone/>
+              <a:defRPr sz="1000"/>
             </a:lvl8pPr>
-            <a:lvl9pPr marL="3657600" indent="0">
-              <a:buNone/>
-              <a:defRPr sz="900"/>
+            <a:lvl9pPr marL="3656503" indent="0">
+              <a:buNone/>
+              <a:defRPr sz="1000"/>
             </a:lvl9pPr>
           </a:lstStyle>
           <a:p>
@@ -4706,41 +4330,10 @@
           </a:p>
         </p:txBody>
       </p:sp>
-      <p:cxnSp>
-        <p:nvCxnSpPr>
-          <p:cNvPr id="16" name="Straight Connector 15"/>
-          <p:cNvCxnSpPr/>
-          <p:nvPr/>
-        </p:nvCxnSpPr>
-        <p:spPr>
-          <a:xfrm>
-            <a:off x="1396169" y="2912533"/>
-            <a:ext cx="3514498" cy="0"/>
-          </a:xfrm>
-          <a:prstGeom prst="line">
-            <a:avLst/>
-          </a:prstGeom>
-          <a:ln w="15875"/>
-        </p:spPr>
-        <p:style>
-          <a:lnRef idx="2">
-            <a:schemeClr val="accent1"/>
-          </a:lnRef>
-          <a:fillRef idx="0">
-            <a:schemeClr val="accent1"/>
-          </a:fillRef>
-          <a:effectRef idx="1">
-            <a:schemeClr val="accent1"/>
-          </a:effectRef>
-          <a:fontRef idx="minor">
-            <a:schemeClr val="tx1"/>
-          </a:fontRef>
-        </p:style>
-      </p:cxnSp>
     </p:spTree>
     <p:extLst>
       <p:ext uri="{BB962C8B-B14F-4D97-AF65-F5344CB8AC3E}">
-        <p14:creationId xmlns:p14="http://schemas.microsoft.com/office/powerpoint/2010/main" val="3256782043"/>
+        <p14:creationId xmlns:p14="http://schemas.microsoft.com/office/powerpoint/2010/main" val="3235527658"/>
       </p:ext>
     </p:extLst>
   </p:cSld>
@@ -4779,8 +4372,8 @@
         </p:nvSpPr>
         <p:spPr>
           <a:xfrm>
-            <a:off x="1295399" y="1883832"/>
-            <a:ext cx="6241816" cy="1371600"/>
+            <a:off x="677334" y="4800600"/>
+            <a:ext cx="8596667" cy="566738"/>
           </a:xfrm>
         </p:spPr>
         <p:txBody>
@@ -4788,8 +4381,8 @@
             <a:normAutofit/>
           </a:bodyPr>
           <a:lstStyle>
-            <a:lvl1pPr algn="ctr">
-              <a:defRPr sz="2800" b="0"/>
+            <a:lvl1pPr algn="l">
+              <a:defRPr sz="2400" b="0"/>
             </a:lvl1pPr>
           </a:lstStyle>
           <a:p>
@@ -4803,7 +4396,7 @@
       </p:sp>
       <p:sp>
         <p:nvSpPr>
-          <p:cNvPr id="17" name="Picture Placeholder 2"/>
+          <p:cNvPr id="3" name="Picture Placeholder 2"/>
           <p:cNvSpPr>
             <a:spLocks noGrp="1" noChangeAspect="1"/>
           </p:cNvSpPr>
@@ -4813,30 +4406,9 @@
         </p:nvSpPr>
         <p:spPr>
           <a:xfrm>
-            <a:off x="8094831" y="1041400"/>
-            <a:ext cx="3063347" cy="4775200"/>
+            <a:off x="677334" y="609600"/>
+            <a:ext cx="8596668" cy="3845718"/>
           </a:xfrm>
-          <a:prstGeom prst="roundRect">
-            <a:avLst>
-              <a:gd name="adj" fmla="val 0"/>
-            </a:avLst>
-          </a:prstGeom>
-          <a:ln w="57150" cmpd="thickThin">
-            <a:solidFill>
-              <a:schemeClr val="tx1">
-                <a:lumMod val="50000"/>
-                <a:lumOff val="50000"/>
-              </a:schemeClr>
-            </a:solidFill>
-            <a:miter lim="800000"/>
-          </a:ln>
-          <a:effectLst>
-            <a:innerShdw blurRad="57150" dist="38100" dir="14460000">
-              <a:srgbClr val="000000">
-                <a:alpha val="70000"/>
-              </a:srgbClr>
-            </a:innerShdw>
-          </a:effectLst>
         </p:spPr>
         <p:txBody>
           <a:bodyPr anchor="t">
@@ -4901,18 +4473,18 @@
         </p:nvSpPr>
         <p:spPr>
           <a:xfrm>
-            <a:off x="1295399" y="3255432"/>
-            <a:ext cx="6241816" cy="1828800"/>
+            <a:off x="677334" y="5367338"/>
+            <a:ext cx="8596667" cy="674024"/>
           </a:xfrm>
         </p:spPr>
         <p:txBody>
-          <a:bodyPr anchor="t">
+          <a:bodyPr>
             <a:normAutofit/>
           </a:bodyPr>
           <a:lstStyle>
-            <a:lvl1pPr marL="0" indent="0" algn="ctr">
-              <a:buNone/>
-              <a:defRPr sz="1800"/>
+            <a:lvl1pPr marL="0" indent="0">
+              <a:buNone/>
+              <a:defRPr sz="1200"/>
             </a:lvl1pPr>
             <a:lvl2pPr marL="457200" indent="0">
               <a:buNone/>
@@ -5024,7 +4596,7 @@
     </p:spTree>
     <p:extLst>
       <p:ext uri="{BB962C8B-B14F-4D97-AF65-F5344CB8AC3E}">
-        <p14:creationId xmlns:p14="http://schemas.microsoft.com/office/powerpoint/2010/main" val="551328074"/>
+        <p14:creationId xmlns:p14="http://schemas.microsoft.com/office/powerpoint/2010/main" val="749679317"/>
       </p:ext>
     </p:extLst>
   </p:cSld>
@@ -5038,8 +4610,8 @@
 <p:sldMaster xmlns:a="http://schemas.openxmlformats.org/drawingml/2006/main" xmlns:r="http://schemas.openxmlformats.org/officeDocument/2006/relationships" xmlns:p="http://schemas.openxmlformats.org/presentationml/2006/main">
   <p:cSld>
     <p:bg>
-      <p:bgRef idx="1003">
-        <a:schemeClr val="bg1"/>
+      <p:bgRef idx="1001">
+        <a:schemeClr val="bg2"/>
       </p:bgRef>
     </p:bg>
     <p:spTree>
@@ -5058,66 +4630,141 @@
       </p:grpSpPr>
       <p:grpSp>
         <p:nvGrpSpPr>
-          <p:cNvPr id="7" name="Group 6"/>
+          <p:cNvPr id="8" name="Group 7"/>
           <p:cNvGrpSpPr/>
           <p:nvPr/>
         </p:nvGrpSpPr>
         <p:grpSpPr>
           <a:xfrm>
-            <a:off x="-15736" y="0"/>
-            <a:ext cx="12229962" cy="6856214"/>
-            <a:chOff x="-15736" y="0"/>
-            <a:chExt cx="12229962" cy="6856214"/>
+            <a:off x="0" y="-8467"/>
+            <a:ext cx="12192000" cy="6866467"/>
+            <a:chOff x="0" y="-8467"/>
+            <a:chExt cx="12192000" cy="6866467"/>
           </a:xfrm>
         </p:grpSpPr>
-        <p:pic>
-          <p:nvPicPr>
-            <p:cNvPr id="8" name="Picture 7" descr="HD-PanelContent.png"/>
-            <p:cNvPicPr>
-              <a:picLocks noChangeAspect="1"/>
-            </p:cNvPicPr>
+        <p:cxnSp>
+          <p:nvCxnSpPr>
+            <p:cNvPr id="20" name="Straight Connector 19"/>
+            <p:cNvCxnSpPr/>
             <p:nvPr/>
-          </p:nvPicPr>
-          <p:blipFill>
-            <a:blip r:embed="rId19">
-              <a:extLst>
-                <a:ext uri="{28A0092B-C50C-407E-A947-70E740481C1C}">
-                  <a14:useLocalDpi xmlns:a14="http://schemas.microsoft.com/office/drawing/2010/main" val="0"/>
-                </a:ext>
-              </a:extLst>
-            </a:blip>
-            <a:stretch>
-              <a:fillRect/>
-            </a:stretch>
-          </p:blipFill>
+          </p:nvCxnSpPr>
           <p:spPr>
             <a:xfrm>
-              <a:off x="0" y="0"/>
-              <a:ext cx="12188825" cy="6856214"/>
+              <a:off x="9371012" y="0"/>
+              <a:ext cx="1219200" cy="6858000"/>
             </a:xfrm>
-            <a:prstGeom prst="rect">
+            <a:prstGeom prst="line">
               <a:avLst/>
             </a:prstGeom>
+            <a:ln w="9525">
+              <a:solidFill>
+                <a:schemeClr val="bg1">
+                  <a:lumMod val="85000"/>
+                  <a:lumOff val="15000"/>
+                </a:schemeClr>
+              </a:solidFill>
+            </a:ln>
           </p:spPr>
-        </p:pic>
+          <p:style>
+            <a:lnRef idx="2">
+              <a:schemeClr val="accent1"/>
+            </a:lnRef>
+            <a:fillRef idx="0">
+              <a:schemeClr val="accent1"/>
+            </a:fillRef>
+            <a:effectRef idx="1">
+              <a:schemeClr val="accent1"/>
+            </a:effectRef>
+            <a:fontRef idx="minor">
+              <a:schemeClr val="tx1"/>
+            </a:fontRef>
+          </p:style>
+        </p:cxnSp>
+        <p:cxnSp>
+          <p:nvCxnSpPr>
+            <p:cNvPr id="21" name="Straight Connector 20"/>
+            <p:cNvCxnSpPr/>
+            <p:nvPr/>
+          </p:nvCxnSpPr>
+          <p:spPr>
+            <a:xfrm flipH="1">
+              <a:off x="7425267" y="3681413"/>
+              <a:ext cx="4763558" cy="3176587"/>
+            </a:xfrm>
+            <a:prstGeom prst="line">
+              <a:avLst/>
+            </a:prstGeom>
+            <a:ln w="9525">
+              <a:solidFill>
+                <a:schemeClr val="bg1">
+                  <a:lumMod val="85000"/>
+                  <a:lumOff val="15000"/>
+                </a:schemeClr>
+              </a:solidFill>
+            </a:ln>
+          </p:spPr>
+          <p:style>
+            <a:lnRef idx="2">
+              <a:schemeClr val="accent1"/>
+            </a:lnRef>
+            <a:fillRef idx="0">
+              <a:schemeClr val="accent1"/>
+            </a:fillRef>
+            <a:effectRef idx="1">
+              <a:schemeClr val="accent1"/>
+            </a:effectRef>
+            <a:fontRef idx="minor">
+              <a:schemeClr val="tx1"/>
+            </a:fontRef>
+          </p:style>
+        </p:cxnSp>
         <p:sp>
           <p:nvSpPr>
-            <p:cNvPr id="9" name="Rectangle 8"/>
+            <p:cNvPr id="22" name="Rectangle 23"/>
             <p:cNvSpPr/>
             <p:nvPr/>
           </p:nvSpPr>
           <p:spPr>
             <a:xfrm>
-              <a:off x="608012" y="609600"/>
-              <a:ext cx="10972800" cy="5638800"/>
+              <a:off x="9181476" y="-8467"/>
+              <a:ext cx="3007349" cy="6866467"/>
             </a:xfrm>
-            <a:prstGeom prst="rect">
+            <a:custGeom>
               <a:avLst/>
-            </a:prstGeom>
-            <a:noFill/>
-            <a:ln w="15875" cap="flat">
-              <a:miter lim="800000"/>
+              <a:gdLst/>
+              <a:ahLst/>
+              <a:cxnLst/>
+              <a:rect l="l" t="t" r="r" b="b"/>
+              <a:pathLst>
+                <a:path w="3007349" h="6866467">
+                  <a:moveTo>
+                    <a:pt x="2045532" y="0"/>
+                  </a:moveTo>
+                  <a:lnTo>
+                    <a:pt x="3007349" y="0"/>
+                  </a:lnTo>
+                  <a:lnTo>
+                    <a:pt x="3007349" y="6866467"/>
+                  </a:lnTo>
+                  <a:lnTo>
+                    <a:pt x="0" y="6866467"/>
+                  </a:lnTo>
+                  <a:lnTo>
+                    <a:pt x="2045532" y="0"/>
+                  </a:lnTo>
+                  <a:close/>
+                </a:path>
+              </a:pathLst>
+            </a:custGeom>
+            <a:solidFill>
+              <a:schemeClr val="accent1">
+                <a:alpha val="30000"/>
+              </a:schemeClr>
+            </a:solidFill>
+            <a:ln>
+              <a:noFill/>
             </a:ln>
+            <a:effectLst/>
           </p:spPr>
           <p:style>
             <a:lnRef idx="1">
@@ -5134,64 +4781,384 @@
             </a:fontRef>
           </p:style>
         </p:sp>
-        <p:pic>
-          <p:nvPicPr>
-            <p:cNvPr id="10" name="Picture 9" descr="HDRibbonContent-UniformTrim.png"/>
-            <p:cNvPicPr>
-              <a:picLocks noChangeAspect="1"/>
-            </p:cNvPicPr>
+        <p:sp>
+          <p:nvSpPr>
+            <p:cNvPr id="23" name="Rectangle 25"/>
+            <p:cNvSpPr/>
             <p:nvPr/>
-          </p:nvPicPr>
-          <p:blipFill rotWithShape="1">
-            <a:blip r:embed="rId20">
-              <a:extLst>
-                <a:ext uri="{28A0092B-C50C-407E-A947-70E740481C1C}">
-                  <a14:useLocalDpi xmlns:a14="http://schemas.microsoft.com/office/drawing/2010/main" val="0"/>
-                </a:ext>
-              </a:extLst>
-            </a:blip>
-            <a:srcRect/>
-            <a:stretch/>
-          </p:blipFill>
+          </p:nvSpPr>
           <p:spPr>
             <a:xfrm>
-              <a:off x="-15736" y="3153832"/>
-              <a:ext cx="777240" cy="606425"/>
+              <a:off x="9603442" y="-8467"/>
+              <a:ext cx="2588558" cy="6866467"/>
             </a:xfrm>
-            <a:prstGeom prst="rect">
+            <a:custGeom>
               <a:avLst/>
-            </a:prstGeom>
+              <a:gdLst/>
+              <a:ahLst/>
+              <a:cxnLst/>
+              <a:rect l="l" t="t" r="r" b="b"/>
+              <a:pathLst>
+                <a:path w="2573311" h="6866467">
+                  <a:moveTo>
+                    <a:pt x="0" y="0"/>
+                  </a:moveTo>
+                  <a:lnTo>
+                    <a:pt x="2573311" y="0"/>
+                  </a:lnTo>
+                  <a:lnTo>
+                    <a:pt x="2573311" y="6866467"/>
+                  </a:lnTo>
+                  <a:lnTo>
+                    <a:pt x="1202336" y="6866467"/>
+                  </a:lnTo>
+                  <a:lnTo>
+                    <a:pt x="0" y="0"/>
+                  </a:lnTo>
+                  <a:close/>
+                </a:path>
+              </a:pathLst>
+            </a:custGeom>
+            <a:solidFill>
+              <a:schemeClr val="accent1">
+                <a:alpha val="20000"/>
+              </a:schemeClr>
+            </a:solidFill>
+            <a:ln>
+              <a:noFill/>
+            </a:ln>
+            <a:effectLst/>
           </p:spPr>
-        </p:pic>
-        <p:pic>
-          <p:nvPicPr>
-            <p:cNvPr id="11" name="Picture 10" descr="HDRibbonContent-UniformTrim.png"/>
-            <p:cNvPicPr>
-              <a:picLocks noChangeAspect="1"/>
-            </p:cNvPicPr>
+          <p:style>
+            <a:lnRef idx="1">
+              <a:schemeClr val="accent1"/>
+            </a:lnRef>
+            <a:fillRef idx="3">
+              <a:schemeClr val="accent1"/>
+            </a:fillRef>
+            <a:effectRef idx="2">
+              <a:schemeClr val="accent1"/>
+            </a:effectRef>
+            <a:fontRef idx="minor">
+              <a:schemeClr val="lt1"/>
+            </a:fontRef>
+          </p:style>
+        </p:sp>
+        <p:sp>
+          <p:nvSpPr>
+            <p:cNvPr id="24" name="Isosceles Triangle 23"/>
+            <p:cNvSpPr/>
             <p:nvPr/>
-          </p:nvPicPr>
-          <p:blipFill rotWithShape="1">
-            <a:blip r:embed="rId20">
-              <a:extLst>
-                <a:ext uri="{28A0092B-C50C-407E-A947-70E740481C1C}">
-                  <a14:useLocalDpi xmlns:a14="http://schemas.microsoft.com/office/drawing/2010/main" val="0"/>
-                </a:ext>
-              </a:extLst>
-            </a:blip>
-            <a:srcRect/>
-            <a:stretch/>
-          </p:blipFill>
+          </p:nvSpPr>
           <p:spPr>
             <a:xfrm>
-              <a:off x="11436986" y="3153832"/>
-              <a:ext cx="777240" cy="606425"/>
+              <a:off x="8932333" y="3048000"/>
+              <a:ext cx="3259667" cy="3810000"/>
             </a:xfrm>
-            <a:prstGeom prst="rect">
+            <a:prstGeom prst="triangle">
+              <a:avLst>
+                <a:gd name="adj" fmla="val 100000"/>
+              </a:avLst>
+            </a:prstGeom>
+            <a:solidFill>
+              <a:schemeClr val="accent2">
+                <a:alpha val="72000"/>
+              </a:schemeClr>
+            </a:solidFill>
+            <a:ln>
+              <a:noFill/>
+            </a:ln>
+            <a:effectLst/>
+          </p:spPr>
+          <p:style>
+            <a:lnRef idx="1">
+              <a:schemeClr val="accent1"/>
+            </a:lnRef>
+            <a:fillRef idx="3">
+              <a:schemeClr val="accent1"/>
+            </a:fillRef>
+            <a:effectRef idx="2">
+              <a:schemeClr val="accent1"/>
+            </a:effectRef>
+            <a:fontRef idx="minor">
+              <a:schemeClr val="lt1"/>
+            </a:fontRef>
+          </p:style>
+        </p:sp>
+        <p:sp>
+          <p:nvSpPr>
+            <p:cNvPr id="25" name="Rectangle 27"/>
+            <p:cNvSpPr/>
+            <p:nvPr/>
+          </p:nvSpPr>
+          <p:spPr>
+            <a:xfrm>
+              <a:off x="9334500" y="-8467"/>
+              <a:ext cx="2854326" cy="6866467"/>
+            </a:xfrm>
+            <a:custGeom>
               <a:avLst/>
+              <a:gdLst/>
+              <a:ahLst/>
+              <a:cxnLst/>
+              <a:rect l="l" t="t" r="r" b="b"/>
+              <a:pathLst>
+                <a:path w="2858013" h="6866467">
+                  <a:moveTo>
+                    <a:pt x="0" y="0"/>
+                  </a:moveTo>
+                  <a:lnTo>
+                    <a:pt x="2858013" y="0"/>
+                  </a:lnTo>
+                  <a:lnTo>
+                    <a:pt x="2858013" y="6866467"/>
+                  </a:lnTo>
+                  <a:lnTo>
+                    <a:pt x="2473942" y="6866467"/>
+                  </a:lnTo>
+                  <a:lnTo>
+                    <a:pt x="0" y="0"/>
+                  </a:lnTo>
+                  <a:close/>
+                </a:path>
+              </a:pathLst>
+            </a:custGeom>
+            <a:solidFill>
+              <a:schemeClr val="accent2">
+                <a:lumMod val="75000"/>
+                <a:alpha val="70000"/>
+              </a:schemeClr>
+            </a:solidFill>
+            <a:ln>
+              <a:noFill/>
+            </a:ln>
+            <a:effectLst/>
+          </p:spPr>
+          <p:style>
+            <a:lnRef idx="1">
+              <a:schemeClr val="accent1"/>
+            </a:lnRef>
+            <a:fillRef idx="3">
+              <a:schemeClr val="accent1"/>
+            </a:fillRef>
+            <a:effectRef idx="2">
+              <a:schemeClr val="accent1"/>
+            </a:effectRef>
+            <a:fontRef idx="minor">
+              <a:schemeClr val="lt1"/>
+            </a:fontRef>
+          </p:style>
+        </p:sp>
+        <p:sp>
+          <p:nvSpPr>
+            <p:cNvPr id="26" name="Rectangle 28"/>
+            <p:cNvSpPr/>
+            <p:nvPr/>
+          </p:nvSpPr>
+          <p:spPr>
+            <a:xfrm>
+              <a:off x="10898730" y="-8467"/>
+              <a:ext cx="1290094" cy="6866467"/>
+            </a:xfrm>
+            <a:custGeom>
+              <a:avLst/>
+              <a:gdLst/>
+              <a:ahLst/>
+              <a:cxnLst/>
+              <a:rect l="l" t="t" r="r" b="b"/>
+              <a:pathLst>
+                <a:path w="1290094" h="6858000">
+                  <a:moveTo>
+                    <a:pt x="1019735" y="0"/>
+                  </a:moveTo>
+                  <a:lnTo>
+                    <a:pt x="1290094" y="0"/>
+                  </a:lnTo>
+                  <a:lnTo>
+                    <a:pt x="1290094" y="6858000"/>
+                  </a:lnTo>
+                  <a:lnTo>
+                    <a:pt x="0" y="6858000"/>
+                  </a:lnTo>
+                  <a:lnTo>
+                    <a:pt x="1019735" y="0"/>
+                  </a:lnTo>
+                  <a:close/>
+                </a:path>
+              </a:pathLst>
+            </a:custGeom>
+            <a:solidFill>
+              <a:schemeClr val="accent1">
+                <a:lumMod val="60000"/>
+                <a:lumOff val="40000"/>
+                <a:alpha val="70000"/>
+              </a:schemeClr>
+            </a:solidFill>
+            <a:ln>
+              <a:noFill/>
+            </a:ln>
+            <a:effectLst/>
+          </p:spPr>
+          <p:style>
+            <a:lnRef idx="1">
+              <a:schemeClr val="accent1"/>
+            </a:lnRef>
+            <a:fillRef idx="3">
+              <a:schemeClr val="accent1"/>
+            </a:fillRef>
+            <a:effectRef idx="2">
+              <a:schemeClr val="accent1"/>
+            </a:effectRef>
+            <a:fontRef idx="minor">
+              <a:schemeClr val="lt1"/>
+            </a:fontRef>
+          </p:style>
+        </p:sp>
+        <p:sp>
+          <p:nvSpPr>
+            <p:cNvPr id="27" name="Rectangle 29"/>
+            <p:cNvSpPr/>
+            <p:nvPr/>
+          </p:nvSpPr>
+          <p:spPr>
+            <a:xfrm>
+              <a:off x="10938999" y="-8467"/>
+              <a:ext cx="1249825" cy="6866467"/>
+            </a:xfrm>
+            <a:custGeom>
+              <a:avLst/>
+              <a:gdLst/>
+              <a:ahLst/>
+              <a:cxnLst/>
+              <a:rect l="l" t="t" r="r" b="b"/>
+              <a:pathLst>
+                <a:path w="1249825" h="6858000">
+                  <a:moveTo>
+                    <a:pt x="0" y="0"/>
+                  </a:moveTo>
+                  <a:lnTo>
+                    <a:pt x="1249825" y="0"/>
+                  </a:lnTo>
+                  <a:lnTo>
+                    <a:pt x="1249825" y="6858000"/>
+                  </a:lnTo>
+                  <a:lnTo>
+                    <a:pt x="1109382" y="6858000"/>
+                  </a:lnTo>
+                  <a:lnTo>
+                    <a:pt x="0" y="0"/>
+                  </a:lnTo>
+                  <a:close/>
+                </a:path>
+              </a:pathLst>
+            </a:custGeom>
+            <a:solidFill>
+              <a:schemeClr val="accent1">
+                <a:alpha val="65000"/>
+              </a:schemeClr>
+            </a:solidFill>
+            <a:ln>
+              <a:noFill/>
+            </a:ln>
+            <a:effectLst/>
+          </p:spPr>
+          <p:style>
+            <a:lnRef idx="1">
+              <a:schemeClr val="accent1"/>
+            </a:lnRef>
+            <a:fillRef idx="3">
+              <a:schemeClr val="accent1"/>
+            </a:fillRef>
+            <a:effectRef idx="2">
+              <a:schemeClr val="accent1"/>
+            </a:effectRef>
+            <a:fontRef idx="minor">
+              <a:schemeClr val="lt1"/>
+            </a:fontRef>
+          </p:style>
+        </p:sp>
+        <p:sp>
+          <p:nvSpPr>
+            <p:cNvPr id="28" name="Isosceles Triangle 27"/>
+            <p:cNvSpPr/>
+            <p:nvPr/>
+          </p:nvSpPr>
+          <p:spPr>
+            <a:xfrm>
+              <a:off x="10371666" y="3589867"/>
+              <a:ext cx="1817159" cy="3268133"/>
+            </a:xfrm>
+            <a:prstGeom prst="triangle">
+              <a:avLst>
+                <a:gd name="adj" fmla="val 100000"/>
+              </a:avLst>
             </a:prstGeom>
+            <a:solidFill>
+              <a:schemeClr val="accent1">
+                <a:alpha val="80000"/>
+              </a:schemeClr>
+            </a:solidFill>
+            <a:ln>
+              <a:noFill/>
+            </a:ln>
+            <a:effectLst/>
           </p:spPr>
-        </p:pic>
+          <p:style>
+            <a:lnRef idx="1">
+              <a:schemeClr val="accent1"/>
+            </a:lnRef>
+            <a:fillRef idx="3">
+              <a:schemeClr val="accent1"/>
+            </a:fillRef>
+            <a:effectRef idx="2">
+              <a:schemeClr val="accent1"/>
+            </a:effectRef>
+            <a:fontRef idx="minor">
+              <a:schemeClr val="lt1"/>
+            </a:fontRef>
+          </p:style>
+        </p:sp>
+        <p:sp>
+          <p:nvSpPr>
+            <p:cNvPr id="29" name="Isosceles Triangle 28"/>
+            <p:cNvSpPr/>
+            <p:nvPr/>
+          </p:nvSpPr>
+          <p:spPr>
+            <a:xfrm>
+              <a:off x="0" y="4013200"/>
+              <a:ext cx="448733" cy="2844800"/>
+            </a:xfrm>
+            <a:prstGeom prst="triangle">
+              <a:avLst>
+                <a:gd name="adj" fmla="val 0"/>
+              </a:avLst>
+            </a:prstGeom>
+            <a:solidFill>
+              <a:schemeClr val="accent1">
+                <a:alpha val="85000"/>
+              </a:schemeClr>
+            </a:solidFill>
+            <a:ln>
+              <a:noFill/>
+            </a:ln>
+            <a:effectLst/>
+          </p:spPr>
+          <p:style>
+            <a:lnRef idx="1">
+              <a:schemeClr val="accent1"/>
+            </a:lnRef>
+            <a:fillRef idx="3">
+              <a:schemeClr val="accent1"/>
+            </a:fillRef>
+            <a:effectRef idx="2">
+              <a:schemeClr val="accent1"/>
+            </a:effectRef>
+            <a:fontRef idx="minor">
+              <a:schemeClr val="lt1"/>
+            </a:fontRef>
+          </p:style>
+        </p:sp>
       </p:grpSp>
       <p:sp>
         <p:nvSpPr>
@@ -5205,42 +5172,8 @@
         </p:nvSpPr>
         <p:spPr>
           <a:xfrm>
-            <a:off x="1295402" y="982132"/>
-            <a:ext cx="9601196" cy="1303867"/>
-          </a:xfrm>
-          <a:prstGeom prst="rect">
-            <a:avLst/>
-          </a:prstGeom>
-          <a:effectLst/>
-        </p:spPr>
-        <p:txBody>
-          <a:bodyPr vert="horz" lIns="91440" tIns="45720" rIns="91440" bIns="45720" rtlCol="0" anchor="ctr">
-            <a:normAutofit/>
-          </a:bodyPr>
-          <a:lstStyle/>
-          <a:p>
-            <a:r>
-              <a:rPr lang="fr-FR"/>
-              <a:t>Modifiez le style du titre</a:t>
-            </a:r>
-            <a:endParaRPr lang="en-US" dirty="0"/>
-          </a:p>
-        </p:txBody>
-      </p:sp>
-      <p:sp>
-        <p:nvSpPr>
-          <p:cNvPr id="3" name="Text Placeholder 2"/>
-          <p:cNvSpPr>
-            <a:spLocks noGrp="1"/>
-          </p:cNvSpPr>
-          <p:nvPr>
-            <p:ph type="body" idx="1"/>
-          </p:nvPr>
-        </p:nvSpPr>
-        <p:spPr>
-          <a:xfrm>
-            <a:off x="1295401" y="2556932"/>
-            <a:ext cx="9601196" cy="3318936"/>
+            <a:off x="677334" y="609600"/>
+            <a:ext cx="8596668" cy="1320800"/>
           </a:xfrm>
           <a:prstGeom prst="rect">
             <a:avLst/>
@@ -5252,38 +5185,9 @@
           </a:bodyPr>
           <a:lstStyle/>
           <a:p>
-            <a:pPr lvl="0"/>
-            <a:r>
-              <a:rPr lang="fr-FR"/>
-              <a:t>Modifier les styles du texte du masque</a:t>
-            </a:r>
-          </a:p>
-          <a:p>
-            <a:pPr lvl="1"/>
-            <a:r>
-              <a:rPr lang="fr-FR"/>
-              <a:t>Deuxième niveau</a:t>
-            </a:r>
-          </a:p>
-          <a:p>
-            <a:pPr lvl="2"/>
-            <a:r>
-              <a:rPr lang="fr-FR"/>
-              <a:t>Troisième niveau</a:t>
-            </a:r>
-          </a:p>
-          <a:p>
-            <a:pPr lvl="3"/>
-            <a:r>
-              <a:rPr lang="fr-FR"/>
-              <a:t>Quatrième niveau</a:t>
-            </a:r>
-          </a:p>
-          <a:p>
-            <a:pPr lvl="4"/>
-            <a:r>
-              <a:rPr lang="fr-FR"/>
-              <a:t>Cinquième niveau</a:t>
+            <a:r>
+              <a:rPr lang="fr-FR"/>
+              <a:t>Modifiez le style du titre</a:t>
             </a:r>
             <a:endParaRPr lang="en-US" dirty="0"/>
           </a:p>
@@ -5291,33 +5195,95 @@
       </p:sp>
       <p:sp>
         <p:nvSpPr>
-          <p:cNvPr id="4" name="Date Placeholder 3"/>
-          <p:cNvSpPr>
-            <a:spLocks noGrp="1"/>
-          </p:cNvSpPr>
-          <p:nvPr>
-            <p:ph type="dt" sz="half" idx="2"/>
+          <p:cNvPr id="3" name="Text Placeholder 2"/>
+          <p:cNvSpPr>
+            <a:spLocks noGrp="1"/>
+          </p:cNvSpPr>
+          <p:nvPr>
+            <p:ph type="body" idx="1"/>
           </p:nvPr>
         </p:nvSpPr>
         <p:spPr>
           <a:xfrm>
-            <a:off x="8677501" y="5969000"/>
-            <a:ext cx="1600200" cy="279400"/>
+            <a:off x="677334" y="2160589"/>
+            <a:ext cx="8596668" cy="3880773"/>
           </a:xfrm>
           <a:prstGeom prst="rect">
             <a:avLst/>
           </a:prstGeom>
         </p:spPr>
         <p:txBody>
+          <a:bodyPr vert="horz" lIns="91440" tIns="45720" rIns="91440" bIns="45720" rtlCol="0">
+            <a:normAutofit/>
+          </a:bodyPr>
+          <a:lstStyle/>
+          <a:p>
+            <a:pPr lvl="0"/>
+            <a:r>
+              <a:rPr lang="fr-FR"/>
+              <a:t>Modifier les styles du texte du masque</a:t>
+            </a:r>
+          </a:p>
+          <a:p>
+            <a:pPr lvl="1"/>
+            <a:r>
+              <a:rPr lang="fr-FR"/>
+              <a:t>Deuxième niveau</a:t>
+            </a:r>
+          </a:p>
+          <a:p>
+            <a:pPr lvl="2"/>
+            <a:r>
+              <a:rPr lang="fr-FR"/>
+              <a:t>Troisième niveau</a:t>
+            </a:r>
+          </a:p>
+          <a:p>
+            <a:pPr lvl="3"/>
+            <a:r>
+              <a:rPr lang="fr-FR"/>
+              <a:t>Quatrième niveau</a:t>
+            </a:r>
+          </a:p>
+          <a:p>
+            <a:pPr lvl="4"/>
+            <a:r>
+              <a:rPr lang="fr-FR"/>
+              <a:t>Cinquième niveau</a:t>
+            </a:r>
+            <a:endParaRPr lang="en-US" dirty="0"/>
+          </a:p>
+        </p:txBody>
+      </p:sp>
+      <p:sp>
+        <p:nvSpPr>
+          <p:cNvPr id="4" name="Date Placeholder 3"/>
+          <p:cNvSpPr>
+            <a:spLocks noGrp="1"/>
+          </p:cNvSpPr>
+          <p:nvPr>
+            <p:ph type="dt" sz="half" idx="2"/>
+          </p:nvPr>
+        </p:nvSpPr>
+        <p:spPr>
+          <a:xfrm>
+            <a:off x="7205133" y="6041362"/>
+            <a:ext cx="911939" cy="365125"/>
+          </a:xfrm>
+          <a:prstGeom prst="rect">
+            <a:avLst/>
+          </a:prstGeom>
+        </p:spPr>
+        <p:txBody>
           <a:bodyPr vert="horz" lIns="91440" tIns="45720" rIns="91440" bIns="45720" rtlCol="0" anchor="ctr"/>
           <a:lstStyle>
             <a:lvl1pPr algn="r">
-              <a:defRPr sz="1000" b="0" i="0">
-                <a:solidFill>
-                  <a:schemeClr val="tx1"/>
-                </a:solidFill>
-                <a:effectLst/>
-                <a:latin typeface="+mn-lt"/>
+              <a:defRPr sz="900">
+                <a:solidFill>
+                  <a:schemeClr val="tx1">
+                    <a:tint val="75000"/>
+                  </a:schemeClr>
+                </a:solidFill>
               </a:defRPr>
             </a:lvl1pPr>
           </a:lstStyle>
@@ -5342,8 +5308,8 @@
         </p:nvSpPr>
         <p:spPr>
           <a:xfrm>
-            <a:off x="1295401" y="5969000"/>
-            <a:ext cx="7305900" cy="279400"/>
+            <a:off x="677334" y="6041362"/>
+            <a:ext cx="6297612" cy="365125"/>
           </a:xfrm>
           <a:prstGeom prst="rect">
             <a:avLst/>
@@ -5353,12 +5319,12 @@
           <a:bodyPr vert="horz" lIns="91440" tIns="45720" rIns="91440" bIns="45720" rtlCol="0" anchor="ctr"/>
           <a:lstStyle>
             <a:lvl1pPr algn="l">
-              <a:defRPr sz="1000" b="0" i="0">
-                <a:solidFill>
-                  <a:schemeClr val="tx1"/>
-                </a:solidFill>
-                <a:effectLst/>
-                <a:latin typeface="+mn-lt"/>
+              <a:defRPr sz="900">
+                <a:solidFill>
+                  <a:schemeClr val="tx1">
+                    <a:tint val="75000"/>
+                  </a:schemeClr>
+                </a:solidFill>
               </a:defRPr>
             </a:lvl1pPr>
           </a:lstStyle>
@@ -5379,8 +5345,8 @@
         </p:nvSpPr>
         <p:spPr>
           <a:xfrm>
-            <a:off x="10353901" y="5969000"/>
-            <a:ext cx="542697" cy="279400"/>
+            <a:off x="8590663" y="6041362"/>
+            <a:ext cx="683339" cy="365125"/>
           </a:xfrm>
           <a:prstGeom prst="rect">
             <a:avLst/>
@@ -5390,12 +5356,10 @@
           <a:bodyPr vert="horz" lIns="91440" tIns="45720" rIns="91440" bIns="45720" rtlCol="0" anchor="ctr"/>
           <a:lstStyle>
             <a:lvl1pPr algn="r">
-              <a:defRPr sz="1000" b="0" i="0">
-                <a:solidFill>
-                  <a:schemeClr val="tx1"/>
-                </a:solidFill>
-                <a:effectLst/>
-                <a:latin typeface="+mn-lt"/>
+              <a:defRPr sz="900">
+                <a:solidFill>
+                  <a:schemeClr val="accent1"/>
+                </a:solidFill>
               </a:defRPr>
             </a:lvl1pPr>
           </a:lstStyle>
@@ -5411,48 +5375,40 @@
     </p:spTree>
     <p:extLst>
       <p:ext uri="{BB962C8B-B14F-4D97-AF65-F5344CB8AC3E}">
-        <p14:creationId xmlns:p14="http://schemas.microsoft.com/office/powerpoint/2010/main" val="3937443898"/>
+        <p14:creationId xmlns:p14="http://schemas.microsoft.com/office/powerpoint/2010/main" val="3863242716"/>
       </p:ext>
     </p:extLst>
   </p:cSld>
-  <p:clrMap bg1="lt1" tx1="dk1" bg2="lt2" tx2="dk2" accent1="accent1" accent2="accent2" accent3="accent3" accent4="accent4" accent5="accent5" accent6="accent6" hlink="hlink" folHlink="folHlink"/>
+  <p:clrMap bg1="dk1" tx1="lt1" bg2="dk2" tx2="lt2" accent1="accent1" accent2="accent2" accent3="accent3" accent4="accent4" accent5="accent5" accent6="accent6" hlink="hlink" folHlink="folHlink"/>
   <p:sldLayoutIdLst>
-    <p:sldLayoutId id="2147483747" r:id="rId1"/>
-    <p:sldLayoutId id="2147483748" r:id="rId2"/>
-    <p:sldLayoutId id="2147483749" r:id="rId3"/>
-    <p:sldLayoutId id="2147483750" r:id="rId4"/>
-    <p:sldLayoutId id="2147483751" r:id="rId5"/>
-    <p:sldLayoutId id="2147483752" r:id="rId6"/>
-    <p:sldLayoutId id="2147483753" r:id="rId7"/>
-    <p:sldLayoutId id="2147483754" r:id="rId8"/>
-    <p:sldLayoutId id="2147483755" r:id="rId9"/>
-    <p:sldLayoutId id="2147483756" r:id="rId10"/>
-    <p:sldLayoutId id="2147483757" r:id="rId11"/>
-    <p:sldLayoutId id="2147483758" r:id="rId12"/>
-    <p:sldLayoutId id="2147483759" r:id="rId13"/>
-    <p:sldLayoutId id="2147483760" r:id="rId14"/>
-    <p:sldLayoutId id="2147483761" r:id="rId15"/>
-    <p:sldLayoutId id="2147483762" r:id="rId16"/>
-    <p:sldLayoutId id="2147483763" r:id="rId17"/>
+    <p:sldLayoutId id="2147483782" r:id="rId1"/>
+    <p:sldLayoutId id="2147483783" r:id="rId2"/>
+    <p:sldLayoutId id="2147483784" r:id="rId3"/>
+    <p:sldLayoutId id="2147483785" r:id="rId4"/>
+    <p:sldLayoutId id="2147483786" r:id="rId5"/>
+    <p:sldLayoutId id="2147483787" r:id="rId6"/>
+    <p:sldLayoutId id="2147483788" r:id="rId7"/>
+    <p:sldLayoutId id="2147483789" r:id="rId8"/>
+    <p:sldLayoutId id="2147483790" r:id="rId9"/>
+    <p:sldLayoutId id="2147483791" r:id="rId10"/>
+    <p:sldLayoutId id="2147483792" r:id="rId11"/>
+    <p:sldLayoutId id="2147483793" r:id="rId12"/>
+    <p:sldLayoutId id="2147483794" r:id="rId13"/>
+    <p:sldLayoutId id="2147483795" r:id="rId14"/>
+    <p:sldLayoutId id="2147483796" r:id="rId15"/>
+    <p:sldLayoutId id="2147483797" r:id="rId16"/>
   </p:sldLayoutIdLst>
   <p:txStyles>
     <p:titleStyle>
-      <a:lvl1pPr algn="ctr" defTabSz="457200" rtl="0" eaLnBrk="1" latinLnBrk="0" hangingPunct="1">
+      <a:lvl1pPr algn="l" defTabSz="457200" rtl="0" eaLnBrk="1" latinLnBrk="0" hangingPunct="1">
         <a:spcBef>
           <a:spcPct val="0"/>
         </a:spcBef>
         <a:buNone/>
-        <a:defRPr sz="4400" kern="1200" cap="none">
-          <a:ln w="3175" cmpd="sng">
-            <a:noFill/>
-          </a:ln>
+        <a:defRPr sz="3600" kern="1200">
           <a:solidFill>
-            <a:schemeClr val="tx1">
-              <a:lumMod val="85000"/>
-              <a:lumOff val="15000"/>
-            </a:schemeClr>
+            <a:schemeClr val="accent1"/>
           </a:solidFill>
-          <a:effectLst/>
           <a:latin typeface="+mj-lt"/>
           <a:ea typeface="+mj-ea"/>
           <a:cs typeface="+mj-cs"/>
@@ -5516,27 +5472,26 @@
       </a:lvl9pPr>
     </p:titleStyle>
     <p:bodyStyle>
-      <a:lvl1pPr marL="285750" indent="-285750" algn="l" defTabSz="457200" rtl="0" eaLnBrk="1" latinLnBrk="0" hangingPunct="1">
+      <a:lvl1pPr marL="342900" indent="-342900" algn="l" defTabSz="457200" rtl="0" eaLnBrk="1" latinLnBrk="0" hangingPunct="1">
         <a:spcBef>
-          <a:spcPct val="20000"/>
+          <a:spcPts val="1000"/>
         </a:spcBef>
         <a:spcAft>
-          <a:spcPts val="600"/>
+          <a:spcPts val="0"/>
         </a:spcAft>
         <a:buClr>
           <a:schemeClr val="accent1"/>
         </a:buClr>
-        <a:buSzPct val="115000"/>
-        <a:buFont typeface="Arial"/>
-        <a:buChar char="•"/>
-        <a:defRPr sz="2400" kern="1200" cap="none">
+        <a:buSzPct val="80000"/>
+        <a:buFont typeface="Wingdings 3" charset="2"/>
+        <a:buChar char=""/>
+        <a:defRPr sz="1800" kern="1200">
           <a:solidFill>
             <a:schemeClr val="tx1">
-              <a:lumMod val="85000"/>
-              <a:lumOff val="15000"/>
+              <a:lumMod val="75000"/>
+              <a:lumOff val="25000"/>
             </a:schemeClr>
           </a:solidFill>
-          <a:effectLst/>
           <a:latin typeface="+mn-lt"/>
           <a:ea typeface="+mn-ea"/>
           <a:cs typeface="+mn-cs"/>
@@ -5544,103 +5499,99 @@
       </a:lvl1pPr>
       <a:lvl2pPr marL="742950" indent="-285750" algn="l" defTabSz="457200" rtl="0" eaLnBrk="1" latinLnBrk="0" hangingPunct="1">
         <a:spcBef>
-          <a:spcPct val="20000"/>
+          <a:spcPts val="1000"/>
         </a:spcBef>
         <a:spcAft>
-          <a:spcPts val="600"/>
+          <a:spcPts val="0"/>
         </a:spcAft>
         <a:buClr>
           <a:schemeClr val="accent1"/>
         </a:buClr>
-        <a:buSzPct val="115000"/>
-        <a:buFont typeface="Arial"/>
-        <a:buChar char="•"/>
-        <a:defRPr sz="2000" kern="1200" cap="none">
+        <a:buSzPct val="80000"/>
+        <a:buFont typeface="Wingdings 3" charset="2"/>
+        <a:buChar char=""/>
+        <a:defRPr sz="1600" kern="1200">
           <a:solidFill>
             <a:schemeClr val="tx1">
-              <a:lumMod val="85000"/>
-              <a:lumOff val="15000"/>
+              <a:lumMod val="75000"/>
+              <a:lumOff val="25000"/>
             </a:schemeClr>
           </a:solidFill>
-          <a:effectLst/>
           <a:latin typeface="+mn-lt"/>
           <a:ea typeface="+mn-ea"/>
           <a:cs typeface="+mn-cs"/>
         </a:defRPr>
       </a:lvl2pPr>
-      <a:lvl3pPr marL="1200150" indent="-285750" algn="l" defTabSz="457200" rtl="0" eaLnBrk="1" latinLnBrk="0" hangingPunct="1">
+      <a:lvl3pPr marL="1143000" indent="-228600" algn="l" defTabSz="457200" rtl="0" eaLnBrk="1" latinLnBrk="0" hangingPunct="1">
         <a:spcBef>
-          <a:spcPct val="20000"/>
+          <a:spcPts val="1000"/>
         </a:spcBef>
         <a:spcAft>
-          <a:spcPts val="600"/>
+          <a:spcPts val="0"/>
         </a:spcAft>
         <a:buClr>
           <a:schemeClr val="accent1"/>
         </a:buClr>
-        <a:buSzPct val="115000"/>
-        <a:buFont typeface="Arial"/>
-        <a:buChar char="•"/>
-        <a:defRPr sz="1800" kern="1200" cap="none">
+        <a:buSzPct val="80000"/>
+        <a:buFont typeface="Wingdings 3" charset="2"/>
+        <a:buChar char=""/>
+        <a:defRPr sz="1400" kern="1200">
           <a:solidFill>
             <a:schemeClr val="tx1">
-              <a:lumMod val="85000"/>
-              <a:lumOff val="15000"/>
+              <a:lumMod val="75000"/>
+              <a:lumOff val="25000"/>
             </a:schemeClr>
           </a:solidFill>
-          <a:effectLst/>
           <a:latin typeface="+mn-lt"/>
           <a:ea typeface="+mn-ea"/>
           <a:cs typeface="+mn-cs"/>
         </a:defRPr>
       </a:lvl3pPr>
-      <a:lvl4pPr marL="1543050" indent="-171450" algn="l" defTabSz="457200" rtl="0" eaLnBrk="1" latinLnBrk="0" hangingPunct="1">
+      <a:lvl4pPr marL="1600200" indent="-228600" algn="l" defTabSz="457200" rtl="0" eaLnBrk="1" latinLnBrk="0" hangingPunct="1">
         <a:spcBef>
-          <a:spcPct val="20000"/>
+          <a:spcPts val="1000"/>
         </a:spcBef>
         <a:spcAft>
-          <a:spcPts val="600"/>
+          <a:spcPts val="0"/>
         </a:spcAft>
         <a:buClr>
           <a:schemeClr val="accent1"/>
         </a:buClr>
-        <a:buSzPct val="115000"/>
-        <a:buFont typeface="Arial"/>
-        <a:buChar char="•"/>
-        <a:defRPr sz="1600" kern="1200" cap="none">
+        <a:buSzPct val="80000"/>
+        <a:buFont typeface="Wingdings 3" charset="2"/>
+        <a:buChar char=""/>
+        <a:defRPr sz="1200" kern="1200">
           <a:solidFill>
             <a:schemeClr val="tx1">
-              <a:lumMod val="85000"/>
-              <a:lumOff val="15000"/>
+              <a:lumMod val="75000"/>
+              <a:lumOff val="25000"/>
             </a:schemeClr>
           </a:solidFill>
-          <a:effectLst/>
           <a:latin typeface="+mn-lt"/>
           <a:ea typeface="+mn-ea"/>
           <a:cs typeface="+mn-cs"/>
         </a:defRPr>
       </a:lvl4pPr>
-      <a:lvl5pPr marL="2000250" indent="-171450" algn="l" defTabSz="457200" rtl="0" eaLnBrk="1" latinLnBrk="0" hangingPunct="1">
+      <a:lvl5pPr marL="2057400" indent="-228600" algn="l" defTabSz="457200" rtl="0" eaLnBrk="1" latinLnBrk="0" hangingPunct="1">
         <a:spcBef>
-          <a:spcPct val="20000"/>
+          <a:spcPts val="1000"/>
         </a:spcBef>
         <a:spcAft>
-          <a:spcPts val="600"/>
+          <a:spcPts val="0"/>
         </a:spcAft>
         <a:buClr>
           <a:schemeClr val="accent1"/>
         </a:buClr>
-        <a:buSzPct val="115000"/>
-        <a:buFont typeface="Arial"/>
-        <a:buChar char="•"/>
-        <a:defRPr sz="1400" kern="1200" cap="none">
+        <a:buSzPct val="80000"/>
+        <a:buFont typeface="Wingdings 3" charset="2"/>
+        <a:buChar char=""/>
+        <a:defRPr sz="1200" kern="1200">
           <a:solidFill>
             <a:schemeClr val="tx1">
-              <a:lumMod val="85000"/>
-              <a:lumOff val="15000"/>
+              <a:lumMod val="75000"/>
+              <a:lumOff val="25000"/>
             </a:schemeClr>
           </a:solidFill>
-          <a:effectLst/>
           <a:latin typeface="+mn-lt"/>
           <a:ea typeface="+mn-ea"/>
           <a:cs typeface="+mn-cs"/>
@@ -5648,25 +5599,24 @@
       </a:lvl5pPr>
       <a:lvl6pPr marL="2514600" indent="-228600" algn="l" defTabSz="457200" rtl="0" eaLnBrk="1" latinLnBrk="0" hangingPunct="1">
         <a:spcBef>
-          <a:spcPct val="20000"/>
+          <a:spcPts val="1000"/>
         </a:spcBef>
         <a:spcAft>
-          <a:spcPts val="600"/>
+          <a:spcPts val="0"/>
         </a:spcAft>
         <a:buClr>
           <a:schemeClr val="accent1"/>
         </a:buClr>
-        <a:buSzPct val="115000"/>
-        <a:buFont typeface="Arial"/>
-        <a:buChar char="•"/>
-        <a:defRPr sz="1400" kern="1200" cap="none">
+        <a:buSzPct val="80000"/>
+        <a:buFont typeface="Wingdings 3" charset="2"/>
+        <a:buChar char=""/>
+        <a:defRPr sz="1200" kern="1200">
           <a:solidFill>
             <a:schemeClr val="tx1">
-              <a:lumMod val="85000"/>
-              <a:lumOff val="15000"/>
+              <a:lumMod val="75000"/>
+              <a:lumOff val="25000"/>
             </a:schemeClr>
           </a:solidFill>
-          <a:effectLst/>
           <a:latin typeface="+mn-lt"/>
           <a:ea typeface="+mn-ea"/>
           <a:cs typeface="+mn-cs"/>
@@ -5674,25 +5624,24 @@
       </a:lvl6pPr>
       <a:lvl7pPr marL="2971800" indent="-228600" algn="l" defTabSz="457200" rtl="0" eaLnBrk="1" latinLnBrk="0" hangingPunct="1">
         <a:spcBef>
-          <a:spcPct val="20000"/>
+          <a:spcPts val="1000"/>
         </a:spcBef>
         <a:spcAft>
-          <a:spcPts val="600"/>
+          <a:spcPts val="0"/>
         </a:spcAft>
         <a:buClr>
           <a:schemeClr val="accent1"/>
         </a:buClr>
-        <a:buSzPct val="115000"/>
-        <a:buFont typeface="Arial"/>
-        <a:buChar char="•"/>
-        <a:defRPr sz="1400" kern="1200" cap="none">
+        <a:buSzPct val="80000"/>
+        <a:buFont typeface="Wingdings 3" charset="2"/>
+        <a:buChar char=""/>
+        <a:defRPr sz="1200" kern="1200">
           <a:solidFill>
             <a:schemeClr val="tx1">
-              <a:lumMod val="85000"/>
-              <a:lumOff val="15000"/>
+              <a:lumMod val="75000"/>
+              <a:lumOff val="25000"/>
             </a:schemeClr>
           </a:solidFill>
-          <a:effectLst/>
           <a:latin typeface="+mn-lt"/>
           <a:ea typeface="+mn-ea"/>
           <a:cs typeface="+mn-cs"/>
@@ -5700,25 +5649,24 @@
       </a:lvl7pPr>
       <a:lvl8pPr marL="3429000" indent="-228600" algn="l" defTabSz="457200" rtl="0" eaLnBrk="1" latinLnBrk="0" hangingPunct="1">
         <a:spcBef>
-          <a:spcPct val="20000"/>
+          <a:spcPts val="1000"/>
         </a:spcBef>
         <a:spcAft>
-          <a:spcPts val="600"/>
+          <a:spcPts val="0"/>
         </a:spcAft>
         <a:buClr>
           <a:schemeClr val="accent1"/>
         </a:buClr>
-        <a:buSzPct val="115000"/>
-        <a:buFont typeface="Arial"/>
-        <a:buChar char="•"/>
-        <a:defRPr sz="1400" kern="1200" cap="none">
+        <a:buSzPct val="80000"/>
+        <a:buFont typeface="Wingdings 3" charset="2"/>
+        <a:buChar char=""/>
+        <a:defRPr sz="1200" kern="1200">
           <a:solidFill>
             <a:schemeClr val="tx1">
-              <a:lumMod val="85000"/>
-              <a:lumOff val="15000"/>
+              <a:lumMod val="75000"/>
+              <a:lumOff val="25000"/>
             </a:schemeClr>
           </a:solidFill>
-          <a:effectLst/>
           <a:latin typeface="+mn-lt"/>
           <a:ea typeface="+mn-ea"/>
           <a:cs typeface="+mn-cs"/>
@@ -5726,25 +5674,24 @@
       </a:lvl8pPr>
       <a:lvl9pPr marL="3886200" indent="-228600" algn="l" defTabSz="457200" rtl="0" eaLnBrk="1" latinLnBrk="0" hangingPunct="1">
         <a:spcBef>
-          <a:spcPct val="20000"/>
+          <a:spcPts val="1000"/>
         </a:spcBef>
         <a:spcAft>
-          <a:spcPts val="600"/>
+          <a:spcPts val="0"/>
         </a:spcAft>
         <a:buClr>
           <a:schemeClr val="accent1"/>
         </a:buClr>
-        <a:buSzPct val="115000"/>
-        <a:buFont typeface="Arial"/>
-        <a:buChar char="•"/>
-        <a:defRPr sz="1400" kern="1200" cap="none">
+        <a:buSzPct val="80000"/>
+        <a:buFont typeface="Wingdings 3" charset="2"/>
+        <a:buChar char=""/>
+        <a:defRPr sz="1200" kern="1200">
           <a:solidFill>
             <a:schemeClr val="tx1">
-              <a:lumMod val="85000"/>
-              <a:lumOff val="15000"/>
+              <a:lumMod val="75000"/>
+              <a:lumOff val="25000"/>
             </a:schemeClr>
           </a:solidFill>
-          <a:effectLst/>
           <a:latin typeface="+mn-lt"/>
           <a:ea typeface="+mn-ea"/>
           <a:cs typeface="+mn-cs"/>
@@ -5883,22 +5830,21 @@
             <p:ph type="ctrTitle"/>
           </p:nvPr>
         </p:nvSpPr>
-        <p:spPr/>
+        <p:spPr>
+          <a:xfrm>
+            <a:off x="1488594" y="3549840"/>
+            <a:ext cx="7766936" cy="1646302"/>
+          </a:xfrm>
+        </p:spPr>
         <p:txBody>
           <a:bodyPr/>
           <a:lstStyle/>
           <a:p>
             <a:r>
-              <a:rPr lang="fr-FR" dirty="0" err="1"/>
-              <a:t>Sucver</a:t>
-            </a:r>
-            <a:r>
-              <a:rPr lang="fr-FR" dirty="0"/>
-              <a:t> de ni </a:t>
-            </a:r>
-            <a:r>
-              <a:rPr lang="fr-FR"/>
-              <a:t>terfd</a:t>
+              <a:rPr lang="fr-FR" dirty="0">
+                <a:latin typeface="Bernard MT Condensed" panose="02050806060905020404" pitchFamily="18" charset="0"/>
+              </a:rPr>
+              <a:t>Revue de projet R1</a:t>
             </a:r>
           </a:p>
         </p:txBody>
@@ -5919,15 +5865,113 @@
             <p:ph type="subTitle" idx="1"/>
           </p:nvPr>
         </p:nvSpPr>
-        <p:spPr/>
+        <p:spPr>
+          <a:xfrm>
+            <a:off x="1488594" y="5196142"/>
+            <a:ext cx="7766936" cy="1096899"/>
+          </a:xfrm>
+        </p:spPr>
         <p:txBody>
           <a:bodyPr/>
           <a:lstStyle/>
           <a:p>
-            <a:endParaRPr lang="fr-FR"/>
-          </a:p>
-        </p:txBody>
-      </p:sp>
+            <a:r>
+              <a:rPr lang="fr-FR" dirty="0">
+                <a:latin typeface="Bernard MT Condensed" panose="02050806060905020404" pitchFamily="18" charset="0"/>
+              </a:rPr>
+              <a:t>Présentation du projet et rôle dans ce dernier</a:t>
+            </a:r>
+          </a:p>
+        </p:txBody>
+      </p:sp>
+      <p:cxnSp>
+        <p:nvCxnSpPr>
+          <p:cNvPr id="5" name="Connecteur droit 4">
+            <a:extLst>
+              <a:ext uri="{FF2B5EF4-FFF2-40B4-BE49-F238E27FC236}">
+                <a16:creationId xmlns:a16="http://schemas.microsoft.com/office/drawing/2014/main" id="{8465D624-0647-4E59-9D3A-A39CB222265C}"/>
+              </a:ext>
+            </a:extLst>
+          </p:cNvPr>
+          <p:cNvCxnSpPr/>
+          <p:nvPr/>
+        </p:nvCxnSpPr>
+        <p:spPr>
+          <a:xfrm>
+            <a:off x="2936470" y="5126182"/>
+            <a:ext cx="6319060" cy="0"/>
+          </a:xfrm>
+          <a:prstGeom prst="line">
+            <a:avLst/>
+          </a:prstGeom>
+          <a:ln>
+            <a:solidFill>
+              <a:schemeClr val="tx1"/>
+            </a:solidFill>
+          </a:ln>
+        </p:spPr>
+        <p:style>
+          <a:lnRef idx="1">
+            <a:schemeClr val="accent1"/>
+          </a:lnRef>
+          <a:fillRef idx="0">
+            <a:schemeClr val="accent1"/>
+          </a:fillRef>
+          <a:effectRef idx="0">
+            <a:schemeClr val="accent1"/>
+          </a:effectRef>
+          <a:fontRef idx="minor">
+            <a:schemeClr val="tx1"/>
+          </a:fontRef>
+        </p:style>
+      </p:cxnSp>
+      <p:pic>
+        <p:nvPicPr>
+          <p:cNvPr id="1028" name="Picture 4" descr="RÃ©sultat de recherche d'images pour &quot;serre&quot;">
+            <a:extLst>
+              <a:ext uri="{FF2B5EF4-FFF2-40B4-BE49-F238E27FC236}">
+                <a16:creationId xmlns:a16="http://schemas.microsoft.com/office/drawing/2014/main" id="{A510CCBE-CC6A-4612-A336-9875CD237F44}"/>
+              </a:ext>
+            </a:extLst>
+          </p:cNvPr>
+          <p:cNvPicPr>
+            <a:picLocks noChangeAspect="1" noChangeArrowheads="1"/>
+          </p:cNvPicPr>
+          <p:nvPr/>
+        </p:nvPicPr>
+        <p:blipFill>
+          <a:blip r:embed="rId2">
+            <a:extLst>
+              <a:ext uri="{28A0092B-C50C-407E-A947-70E740481C1C}">
+                <a14:useLocalDpi xmlns:a14="http://schemas.microsoft.com/office/drawing/2010/main" val="0"/>
+              </a:ext>
+            </a:extLst>
+          </a:blip>
+          <a:srcRect/>
+          <a:stretch>
+            <a:fillRect/>
+          </a:stretch>
+        </p:blipFill>
+        <p:spPr bwMode="auto">
+          <a:xfrm>
+            <a:off x="763154" y="652716"/>
+            <a:ext cx="5715000" cy="3600450"/>
+          </a:xfrm>
+          <a:prstGeom prst="rect">
+            <a:avLst/>
+          </a:prstGeom>
+          <a:noFill/>
+          <a:extLst>
+            <a:ext uri="{909E8E84-426E-40DD-AFC4-6F175D3DCCD1}">
+              <a14:hiddenFill xmlns:a14="http://schemas.microsoft.com/office/drawing/2010/main">
+                <a:solidFill>
+                  <a:srgbClr val="FFFFFF"/>
+                </a:solidFill>
+              </a14:hiddenFill>
+            </a:ext>
+          </a:extLst>
+        </p:spPr>
+      </p:pic>
     </p:spTree>
     <p:extLst>
       <p:ext uri="{BB962C8B-B14F-4D97-AF65-F5344CB8AC3E}">
@@ -5941,10 +5985,305 @@
 </p:sld>
 </file>
 
+<file path=ppt/slides/slide2.xml><?xml version="1.0" encoding="utf-8"?>
+<p:sld xmlns:a="http://schemas.openxmlformats.org/drawingml/2006/main" xmlns:r="http://schemas.openxmlformats.org/officeDocument/2006/relationships" xmlns:p="http://schemas.openxmlformats.org/presentationml/2006/main">
+  <p:cSld>
+    <p:spTree>
+      <p:nvGrpSpPr>
+        <p:cNvPr id="1" name=""/>
+        <p:cNvGrpSpPr/>
+        <p:nvPr/>
+      </p:nvGrpSpPr>
+      <p:grpSpPr>
+        <a:xfrm>
+          <a:off x="0" y="0"/>
+          <a:ext cx="0" cy="0"/>
+          <a:chOff x="0" y="0"/>
+          <a:chExt cx="0" cy="0"/>
+        </a:xfrm>
+      </p:grpSpPr>
+      <p:sp>
+        <p:nvSpPr>
+          <p:cNvPr id="2" name="Titre 1">
+            <a:extLst>
+              <a:ext uri="{FF2B5EF4-FFF2-40B4-BE49-F238E27FC236}">
+                <a16:creationId xmlns:a16="http://schemas.microsoft.com/office/drawing/2014/main" id="{2F427075-7332-4351-BB07-40F7E810507E}"/>
+              </a:ext>
+            </a:extLst>
+          </p:cNvPr>
+          <p:cNvSpPr>
+            <a:spLocks noGrp="1"/>
+          </p:cNvSpPr>
+          <p:nvPr>
+            <p:ph type="title"/>
+          </p:nvPr>
+        </p:nvSpPr>
+        <p:spPr/>
+        <p:txBody>
+          <a:bodyPr/>
+          <a:lstStyle/>
+          <a:p>
+            <a:r>
+              <a:rPr lang="fr-FR" b="1" dirty="0">
+                <a:latin typeface="Bernard MT Condensed" panose="02050806060905020404" pitchFamily="18" charset="0"/>
+              </a:rPr>
+              <a:t>1:Présentation du projet :</a:t>
+            </a:r>
+          </a:p>
+        </p:txBody>
+      </p:sp>
+      <p:pic>
+        <p:nvPicPr>
+          <p:cNvPr id="2050" name="Picture 2" descr="RÃ©sultat de recherche d'images pour &quot;raspberry&quot;">
+            <a:extLst>
+              <a:ext uri="{FF2B5EF4-FFF2-40B4-BE49-F238E27FC236}">
+                <a16:creationId xmlns:a16="http://schemas.microsoft.com/office/drawing/2014/main" id="{E2297138-66AC-4D41-9C08-B0BD605357E6}"/>
+              </a:ext>
+            </a:extLst>
+          </p:cNvPr>
+          <p:cNvPicPr>
+            <a:picLocks noChangeAspect="1" noChangeArrowheads="1"/>
+          </p:cNvPicPr>
+          <p:nvPr/>
+        </p:nvPicPr>
+        <p:blipFill>
+          <a:blip r:embed="rId2">
+            <a:extLst>
+              <a:ext uri="{28A0092B-C50C-407E-A947-70E740481C1C}">
+                <a14:useLocalDpi xmlns:a14="http://schemas.microsoft.com/office/drawing/2010/main" val="0"/>
+              </a:ext>
+            </a:extLst>
+          </a:blip>
+          <a:srcRect/>
+          <a:stretch>
+            <a:fillRect/>
+          </a:stretch>
+        </p:blipFill>
+        <p:spPr bwMode="auto">
+          <a:xfrm>
+            <a:off x="677334" y="2299855"/>
+            <a:ext cx="1685635" cy="1685635"/>
+          </a:xfrm>
+          <a:prstGeom prst="rect">
+            <a:avLst/>
+          </a:prstGeom>
+          <a:noFill/>
+          <a:extLst>
+            <a:ext uri="{909E8E84-426E-40DD-AFC4-6F175D3DCCD1}">
+              <a14:hiddenFill xmlns:a14="http://schemas.microsoft.com/office/drawing/2010/main">
+                <a:solidFill>
+                  <a:srgbClr val="FFFFFF"/>
+                </a:solidFill>
+              </a14:hiddenFill>
+            </a:ext>
+          </a:extLst>
+        </p:spPr>
+      </p:pic>
+      <p:pic>
+        <p:nvPicPr>
+          <p:cNvPr id="2052" name="Picture 4" descr="RÃ©sultat de recherche d'images pour &quot;serre&quot;">
+            <a:extLst>
+              <a:ext uri="{FF2B5EF4-FFF2-40B4-BE49-F238E27FC236}">
+                <a16:creationId xmlns:a16="http://schemas.microsoft.com/office/drawing/2014/main" id="{89258C66-DA41-4B31-A7B9-26F97DF1A6D6}"/>
+              </a:ext>
+            </a:extLst>
+          </p:cNvPr>
+          <p:cNvPicPr>
+            <a:picLocks noChangeAspect="1" noChangeArrowheads="1"/>
+          </p:cNvPicPr>
+          <p:nvPr/>
+        </p:nvPicPr>
+        <p:blipFill>
+          <a:blip r:embed="rId3">
+            <a:extLst>
+              <a:ext uri="{28A0092B-C50C-407E-A947-70E740481C1C}">
+                <a14:useLocalDpi xmlns:a14="http://schemas.microsoft.com/office/drawing/2010/main" val="0"/>
+              </a:ext>
+            </a:extLst>
+          </a:blip>
+          <a:srcRect/>
+          <a:stretch>
+            <a:fillRect/>
+          </a:stretch>
+        </p:blipFill>
+        <p:spPr bwMode="auto">
+          <a:xfrm>
+            <a:off x="3686320" y="2058817"/>
+            <a:ext cx="4487862" cy="2868784"/>
+          </a:xfrm>
+          <a:prstGeom prst="rect">
+            <a:avLst/>
+          </a:prstGeom>
+          <a:noFill/>
+          <a:extLst>
+            <a:ext uri="{909E8E84-426E-40DD-AFC4-6F175D3DCCD1}">
+              <a14:hiddenFill xmlns:a14="http://schemas.microsoft.com/office/drawing/2010/main">
+                <a:solidFill>
+                  <a:srgbClr val="FFFFFF"/>
+                </a:solidFill>
+              </a14:hiddenFill>
+            </a:ext>
+          </a:extLst>
+        </p:spPr>
+      </p:pic>
+      <p:pic>
+        <p:nvPicPr>
+          <p:cNvPr id="2056" name="Picture 8" descr="RÃ©sultat de recherche d'images pour &quot;capteur temperature&quot;">
+            <a:extLst>
+              <a:ext uri="{FF2B5EF4-FFF2-40B4-BE49-F238E27FC236}">
+                <a16:creationId xmlns:a16="http://schemas.microsoft.com/office/drawing/2014/main" id="{B4E3B6F6-1ED1-49BB-8C9E-265BC6D770CC}"/>
+              </a:ext>
+            </a:extLst>
+          </p:cNvPr>
+          <p:cNvPicPr>
+            <a:picLocks noChangeAspect="1" noChangeArrowheads="1"/>
+          </p:cNvPicPr>
+          <p:nvPr/>
+        </p:nvPicPr>
+        <p:blipFill>
+          <a:blip r:embed="rId4">
+            <a:extLst>
+              <a:ext uri="{28A0092B-C50C-407E-A947-70E740481C1C}">
+                <a14:useLocalDpi xmlns:a14="http://schemas.microsoft.com/office/drawing/2010/main" val="0"/>
+              </a:ext>
+            </a:extLst>
+          </a:blip>
+          <a:srcRect/>
+          <a:stretch>
+            <a:fillRect/>
+          </a:stretch>
+        </p:blipFill>
+        <p:spPr bwMode="auto">
+          <a:xfrm>
+            <a:off x="5003656" y="1784639"/>
+            <a:ext cx="1056409" cy="792307"/>
+          </a:xfrm>
+          <a:prstGeom prst="rect">
+            <a:avLst/>
+          </a:prstGeom>
+          <a:noFill/>
+          <a:extLst>
+            <a:ext uri="{909E8E84-426E-40DD-AFC4-6F175D3DCCD1}">
+              <a14:hiddenFill xmlns:a14="http://schemas.microsoft.com/office/drawing/2010/main">
+                <a:solidFill>
+                  <a:srgbClr val="FFFFFF"/>
+                </a:solidFill>
+              </a14:hiddenFill>
+            </a:ext>
+          </a:extLst>
+        </p:spPr>
+      </p:pic>
+      <p:pic>
+        <p:nvPicPr>
+          <p:cNvPr id="2058" name="Picture 10" descr="RÃ©sultat de recherche d'images pour &quot;capteur hygromÃ©trie&quot;">
+            <a:extLst>
+              <a:ext uri="{FF2B5EF4-FFF2-40B4-BE49-F238E27FC236}">
+                <a16:creationId xmlns:a16="http://schemas.microsoft.com/office/drawing/2014/main" id="{63D1812C-21D0-4D96-A122-CA6CF20A3F86}"/>
+              </a:ext>
+            </a:extLst>
+          </p:cNvPr>
+          <p:cNvPicPr>
+            <a:picLocks noChangeAspect="1" noChangeArrowheads="1"/>
+          </p:cNvPicPr>
+          <p:nvPr/>
+        </p:nvPicPr>
+        <p:blipFill>
+          <a:blip r:embed="rId5">
+            <a:extLst>
+              <a:ext uri="{28A0092B-C50C-407E-A947-70E740481C1C}">
+                <a14:useLocalDpi xmlns:a14="http://schemas.microsoft.com/office/drawing/2010/main" val="0"/>
+              </a:ext>
+            </a:extLst>
+          </a:blip>
+          <a:srcRect/>
+          <a:stretch>
+            <a:fillRect/>
+          </a:stretch>
+        </p:blipFill>
+        <p:spPr bwMode="auto">
+          <a:xfrm>
+            <a:off x="5716155" y="3856181"/>
+            <a:ext cx="934027" cy="1298297"/>
+          </a:xfrm>
+          <a:prstGeom prst="rect">
+            <a:avLst/>
+          </a:prstGeom>
+          <a:noFill/>
+          <a:extLst>
+            <a:ext uri="{909E8E84-426E-40DD-AFC4-6F175D3DCCD1}">
+              <a14:hiddenFill xmlns:a14="http://schemas.microsoft.com/office/drawing/2010/main">
+                <a:solidFill>
+                  <a:srgbClr val="FFFFFF"/>
+                </a:solidFill>
+              </a14:hiddenFill>
+            </a:ext>
+          </a:extLst>
+        </p:spPr>
+      </p:pic>
+      <p:pic>
+        <p:nvPicPr>
+          <p:cNvPr id="2060" name="Picture 12" descr="RÃ©sultat de recherche d'images pour &quot;capteur lumiere&quot;">
+            <a:extLst>
+              <a:ext uri="{FF2B5EF4-FFF2-40B4-BE49-F238E27FC236}">
+                <a16:creationId xmlns:a16="http://schemas.microsoft.com/office/drawing/2014/main" id="{BB7DDD3F-17A0-4DB4-9549-C95DD88ADC00}"/>
+              </a:ext>
+            </a:extLst>
+          </p:cNvPr>
+          <p:cNvPicPr>
+            <a:picLocks noChangeAspect="1" noChangeArrowheads="1"/>
+          </p:cNvPicPr>
+          <p:nvPr/>
+        </p:nvPicPr>
+        <p:blipFill>
+          <a:blip r:embed="rId6">
+            <a:extLst>
+              <a:ext uri="{28A0092B-C50C-407E-A947-70E740481C1C}">
+                <a14:useLocalDpi xmlns:a14="http://schemas.microsoft.com/office/drawing/2010/main" val="0"/>
+              </a:ext>
+            </a:extLst>
+          </a:blip>
+          <a:srcRect/>
+          <a:stretch>
+            <a:fillRect/>
+          </a:stretch>
+        </p:blipFill>
+        <p:spPr bwMode="auto">
+          <a:xfrm>
+            <a:off x="3198234" y="3766949"/>
+            <a:ext cx="1194570" cy="956802"/>
+          </a:xfrm>
+          <a:prstGeom prst="rect">
+            <a:avLst/>
+          </a:prstGeom>
+          <a:noFill/>
+          <a:extLst>
+            <a:ext uri="{909E8E84-426E-40DD-AFC4-6F175D3DCCD1}">
+              <a14:hiddenFill xmlns:a14="http://schemas.microsoft.com/office/drawing/2010/main">
+                <a:solidFill>
+                  <a:srgbClr val="FFFFFF"/>
+                </a:solidFill>
+              </a14:hiddenFill>
+            </a:ext>
+          </a:extLst>
+        </p:spPr>
+      </p:pic>
+    </p:spTree>
+    <p:extLst>
+      <p:ext uri="{BB962C8B-B14F-4D97-AF65-F5344CB8AC3E}">
+        <p14:creationId xmlns:p14="http://schemas.microsoft.com/office/powerpoint/2010/main" val="1568408707"/>
+      </p:ext>
+    </p:extLst>
+  </p:cSld>
+  <p:clrMapOvr>
+    <a:masterClrMapping/>
+  </p:clrMapOvr>
+</p:sld>
+</file>
+
 <file path=ppt/theme/theme1.xml><?xml version="1.0" encoding="utf-8"?>
-<a:theme xmlns:a="http://schemas.openxmlformats.org/drawingml/2006/main" name="Organique">
+<a:theme xmlns:a="http://schemas.openxmlformats.org/drawingml/2006/main" name="Facette">
   <a:themeElements>
-    <a:clrScheme name="Organique">
+    <a:clrScheme name="Facette">
       <a:dk1>
         <a:sysClr val="windowText" lastClr="000000"/>
       </a:dk1>
@@ -5952,48 +6291,83 @@
         <a:sysClr val="window" lastClr="FFFFFF"/>
       </a:lt1>
       <a:dk2>
-        <a:srgbClr val="212121"/>
+        <a:srgbClr val="2C3C43"/>
       </a:dk2>
       <a:lt2>
-        <a:srgbClr val="DADADA"/>
+        <a:srgbClr val="EBEBEB"/>
       </a:lt2>
       <a:accent1>
-        <a:srgbClr val="83992A"/>
+        <a:srgbClr val="90C226"/>
       </a:accent1>
       <a:accent2>
-        <a:srgbClr val="3C9770"/>
+        <a:srgbClr val="54A021"/>
       </a:accent2>
       <a:accent3>
-        <a:srgbClr val="44709D"/>
+        <a:srgbClr val="E6B91E"/>
       </a:accent3>
       <a:accent4>
-        <a:srgbClr val="A23C33"/>
+        <a:srgbClr val="E76618"/>
       </a:accent4>
       <a:accent5>
-        <a:srgbClr val="D97828"/>
+        <a:srgbClr val="C42F1A"/>
       </a:accent5>
       <a:accent6>
-        <a:srgbClr val="DEB340"/>
+        <a:srgbClr val="918655"/>
       </a:accent6>
       <a:hlink>
-        <a:srgbClr val="A8BF4D"/>
+        <a:srgbClr val="99CA3C"/>
       </a:hlink>
       <a:folHlink>
-        <a:srgbClr val="B4CA80"/>
+        <a:srgbClr val="B9D181"/>
       </a:folHlink>
     </a:clrScheme>
-    <a:fontScheme name="Organique">
+    <a:fontScheme name="Facette">
       <a:majorFont>
-        <a:latin typeface="Garamond" panose="02020404030301010803"/>
+        <a:latin typeface="Trebuchet MS" panose="020B0603020202020204"/>
         <a:ea typeface=""/>
         <a:cs typeface=""/>
-        <a:font script="Jpan" typeface="ＭＳ Ｐゴシック"/>
-        <a:font script="Hang" typeface="돋움"/>
-        <a:font script="Hans" typeface="方正舒体"/>
+        <a:font script="Jpan" typeface="メイリオ"/>
+        <a:font script="Hang" typeface="맑은 고딕"/>
+        <a:font script="Hans" typeface="方正姚体"/>
         <a:font script="Hant" typeface="微軟正黑體"/>
-        <a:font script="Arab" typeface="Arial"/>
+        <a:font script="Arab" typeface="Tahoma"/>
         <a:font script="Hebr" typeface="Arial"/>
         <a:font script="Thai" typeface="Cordia New"/>
+        <a:font script="Ethi" typeface="Nyala"/>
+        <a:font script="Beng" typeface="Vrinda"/>
+        <a:font script="Gujr" typeface="Shruti"/>
+        <a:font script="Khmr" typeface="DaunPenh"/>
+        <a:font script="Knda" typeface="Tunga"/>
+        <a:font script="Guru" typeface="Raavi"/>
+        <a:font script="Cans" typeface="Euphemia"/>
+        <a:font script="Cher" typeface="Plantagenet Cherokee"/>
+        <a:font script="Yiii" typeface="Microsoft Yi Baiti"/>
+        <a:font script="Tibt" typeface="Microsoft Himalaya"/>
+        <a:font script="Thaa" typeface="MV Boli"/>
+        <a:font script="Deva" typeface="Mangal"/>
+        <a:font script="Telu" typeface="Gautami"/>
+        <a:font script="Taml" typeface="Latha"/>
+        <a:font script="Syrc" typeface="Estrangelo Edessa"/>
+        <a:font script="Orya" typeface="Kalinga"/>
+        <a:font script="Mlym" typeface="Kartika"/>
+        <a:font script="Laoo" typeface="DokChampa"/>
+        <a:font script="Sinh" typeface="Iskoola Pota"/>
+        <a:font script="Mong" typeface="Mongolian Baiti"/>
+        <a:font script="Viet" typeface="Tahoma"/>
+        <a:font script="Uigh" typeface="Microsoft Uighur"/>
+        <a:font script="Geor" typeface="Sylfaen"/>
+      </a:majorFont>
+      <a:minorFont>
+        <a:latin typeface="Trebuchet MS" panose="020B0603020202020204"/>
+        <a:ea typeface=""/>
+        <a:cs typeface=""/>
+        <a:font script="Jpan" typeface="メイリオ"/>
+        <a:font script="Hang" typeface="HY그래픽M"/>
+        <a:font script="Hans" typeface="华文新魏"/>
+        <a:font script="Hant" typeface="微軟正黑體"/>
+        <a:font script="Arab" typeface="Tahoma"/>
+        <a:font script="Hebr" typeface="Gisha"/>
+        <a:font script="Thai" typeface="IrisUPC"/>
         <a:font script="Ethi" typeface="Nyala"/>
         <a:font script="Beng" typeface="Vrinda"/>
         <a:font script="Gujr" typeface="Shruti"/>
@@ -6017,44 +6391,9 @@
         <a:font script="Viet" typeface="Arial"/>
         <a:font script="Uigh" typeface="Microsoft Uighur"/>
         <a:font script="Geor" typeface="Sylfaen"/>
-      </a:majorFont>
-      <a:minorFont>
-        <a:latin typeface="Garamond" panose="02020404030301010803"/>
-        <a:ea typeface=""/>
-        <a:cs typeface=""/>
-        <a:font script="Jpan" typeface="ＭＳ Ｐ明朝"/>
-        <a:font script="Hang" typeface="바탕"/>
-        <a:font script="Hans" typeface="方正舒体"/>
-        <a:font script="Hant" typeface="新細明體"/>
-        <a:font script="Arab" typeface="Times New Roman"/>
-        <a:font script="Hebr" typeface="Times New Roman"/>
-        <a:font script="Thai" typeface="Angsana New"/>
-        <a:font script="Ethi" typeface="Nyala"/>
-        <a:font script="Beng" typeface="Vrinda"/>
-        <a:font script="Gujr" typeface="Shruti"/>
-        <a:font script="Khmr" typeface="MoolBoran"/>
-        <a:font script="Knda" typeface="Tunga"/>
-        <a:font script="Guru" typeface="Raavi"/>
-        <a:font script="Cans" typeface="Euphemia"/>
-        <a:font script="Cher" typeface="Plantagenet Cherokee"/>
-        <a:font script="Yiii" typeface="Microsoft Yi Baiti"/>
-        <a:font script="Tibt" typeface="Microsoft Himalaya"/>
-        <a:font script="Thaa" typeface="MV Boli"/>
-        <a:font script="Deva" typeface="Mangal"/>
-        <a:font script="Telu" typeface="Gautami"/>
-        <a:font script="Taml" typeface="Latha"/>
-        <a:font script="Syrc" typeface="Estrangelo Edessa"/>
-        <a:font script="Orya" typeface="Kalinga"/>
-        <a:font script="Mlym" typeface="Kartika"/>
-        <a:font script="Laoo" typeface="DokChampa"/>
-        <a:font script="Sinh" typeface="Iskoola Pota"/>
-        <a:font script="Mong" typeface="Mongolian Baiti"/>
-        <a:font script="Viet" typeface="Times New Roman"/>
-        <a:font script="Uigh" typeface="Microsoft Uighur"/>
-        <a:font script="Geor" typeface="Sylfaen"/>
       </a:minorFont>
     </a:fontScheme>
-    <a:fmtScheme name="Organique">
+    <a:fmtScheme name="Facette">
       <a:fillStyleLst>
         <a:solidFill>
           <a:schemeClr val="phClr"/>
@@ -6063,50 +6402,50 @@
           <a:gsLst>
             <a:gs pos="0">
               <a:schemeClr val="phClr">
-                <a:tint val="60000"/>
+                <a:tint val="65000"/>
                 <a:lumMod val="110000"/>
               </a:schemeClr>
             </a:gs>
-            <a:gs pos="100000">
+            <a:gs pos="88000">
               <a:schemeClr val="phClr">
-                <a:tint val="82000"/>
+                <a:tint val="90000"/>
               </a:schemeClr>
             </a:gs>
           </a:gsLst>
           <a:lin ang="5400000" scaled="0"/>
         </a:gradFill>
-        <a:blipFill>
-          <a:blip xmlns:r="http://schemas.openxmlformats.org/officeDocument/2006/relationships" r:embed="rId1">
-            <a:duotone>
+        <a:gradFill rotWithShape="1">
+          <a:gsLst>
+            <a:gs pos="0">
               <a:schemeClr val="phClr">
-                <a:shade val="74000"/>
-                <a:satMod val="130000"/>
-                <a:lumMod val="90000"/>
+                <a:tint val="96000"/>
+                <a:lumMod val="100000"/>
               </a:schemeClr>
+            </a:gs>
+            <a:gs pos="78000">
               <a:schemeClr val="phClr">
-                <a:tint val="94000"/>
-                <a:satMod val="120000"/>
-                <a:lumMod val="104000"/>
+                <a:shade val="94000"/>
+                <a:lumMod val="94000"/>
               </a:schemeClr>
-            </a:duotone>
-          </a:blip>
-          <a:tile tx="0" ty="0" sx="100000" sy="100000" flip="none" algn="tl"/>
-        </a:blipFill>
+            </a:gs>
+          </a:gsLst>
+          <a:lin ang="5400000" scaled="0"/>
+        </a:gradFill>
       </a:fillStyleLst>
       <a:lnStyleLst>
-        <a:ln w="9525" cap="flat" cmpd="sng" algn="ctr">
+        <a:ln w="12700" cap="rnd" cmpd="sng" algn="ctr">
           <a:solidFill>
             <a:schemeClr val="phClr"/>
           </a:solidFill>
           <a:prstDash val="solid"/>
         </a:ln>
-        <a:ln w="15875" cap="flat" cmpd="sng" algn="ctr">
+        <a:ln w="19050" cap="rnd" cmpd="sng" algn="ctr">
           <a:solidFill>
             <a:schemeClr val="phClr"/>
           </a:solidFill>
           <a:prstDash val="solid"/>
         </a:ln>
-        <a:ln w="25400" cap="flat" cmpd="sng" algn="ctr">
+        <a:ln w="25400" cap="rnd" cmpd="sng" algn="ctr">
           <a:solidFill>
             <a:schemeClr val="phClr"/>
           </a:solidFill>
@@ -6119,21 +6458,30 @@
         </a:effectStyle>
         <a:effectStyle>
           <a:effectLst>
-            <a:innerShdw blurRad="25400" dist="12700" dir="13500000">
+            <a:outerShdw blurRad="38100" dist="25400" dir="5400000" rotWithShape="0">
               <a:srgbClr val="000000">
-                <a:alpha val="45000"/>
+                <a:alpha val="35000"/>
               </a:srgbClr>
-            </a:innerShdw>
+            </a:outerShdw>
           </a:effectLst>
         </a:effectStyle>
         <a:effectStyle>
           <a:effectLst>
-            <a:outerShdw blurRad="38100" dist="25400" dir="5400000" rotWithShape="0">
+            <a:outerShdw blurRad="50800" dist="38100" dir="5400000" rotWithShape="0">
               <a:srgbClr val="000000">
-                <a:alpha val="60000"/>
+                <a:alpha val="35000"/>
               </a:srgbClr>
             </a:outerShdw>
           </a:effectLst>
+          <a:scene3d>
+            <a:camera prst="orthographicFront">
+              <a:rot lat="0" lon="0" rev="0"/>
+            </a:camera>
+            <a:lightRig rig="threePt" dir="tl"/>
+          </a:scene3d>
+          <a:sp3d prstMaterial="plastic">
+            <a:bevelT w="0" h="0"/>
+          </a:sp3d>
         </a:effectStyle>
       </a:effectStyleLst>
       <a:bgFillStyleLst>
@@ -6145,22 +6493,37 @@
             <a:gs pos="0">
               <a:schemeClr val="phClr">
                 <a:tint val="90000"/>
+                <a:lumMod val="104000"/>
+              </a:schemeClr>
+            </a:gs>
+            <a:gs pos="94000">
+              <a:schemeClr val="phClr">
+                <a:shade val="96000"/>
+                <a:lumMod val="82000"/>
+              </a:schemeClr>
+            </a:gs>
+          </a:gsLst>
+          <a:lin ang="5400000" scaled="0"/>
+        </a:gradFill>
+        <a:gradFill rotWithShape="1">
+          <a:gsLst>
+            <a:gs pos="0">
+              <a:schemeClr val="phClr">
+                <a:tint val="90000"/>
                 <a:lumMod val="110000"/>
               </a:schemeClr>
             </a:gs>
             <a:gs pos="100000">
               <a:schemeClr val="phClr">
-                <a:shade val="88000"/>
-                <a:lumMod val="98000"/>
+                <a:shade val="94000"/>
+                <a:lumMod val="96000"/>
               </a:schemeClr>
             </a:gs>
           </a:gsLst>
-          <a:lin ang="5400000" scaled="0"/>
+          <a:path path="circle">
+            <a:fillToRect l="50000" t="50000" r="100000" b="100000"/>
+          </a:path>
         </a:gradFill>
-        <a:blipFill>
-          <a:blip xmlns:r="http://schemas.openxmlformats.org/officeDocument/2006/relationships" r:embed="rId2"/>
-          <a:stretch/>
-        </a:blipFill>
       </a:bgFillStyleLst>
     </a:fmtScheme>
   </a:themeElements>
@@ -6168,7 +6531,7 @@
   <a:extraClrSchemeLst/>
   <a:extLst>
     <a:ext uri="{05A4C25C-085E-4340-85A3-A5531E510DB2}">
-      <thm15:themeFamily xmlns:thm15="http://schemas.microsoft.com/office/thememl/2012/main" name="Organic" id="{28CDC826-8792-45C0-861B-85EB3ADEDA33}" vid="{7DAC20F1-423D-49E2-BD0B-50532748BAD0}"/>
+      <thm15:themeFamily xmlns:thm15="http://schemas.microsoft.com/office/thememl/2012/main" name="Facet" id="{C0C680CD-088A-49FC-A102-D699147F32B2}" vid="{8C59B386-999D-4CB6-B907-9F3997C027CC}"/>
     </a:ext>
   </a:extLst>
 </a:theme>
